--- a/PresentationYelpDataAnalysis/presentationYelpAnalysis.pptx
+++ b/PresentationYelpDataAnalysis/presentationYelpAnalysis.pptx
@@ -5,7 +5,7 @@
     <p:sldMasterId id="2147483696" r:id="rId1"/>
   </p:sldMasterIdLst>
   <p:notesMasterIdLst>
-    <p:notesMasterId r:id="rId18"/>
+    <p:notesMasterId r:id="rId22"/>
   </p:notesMasterIdLst>
   <p:sldIdLst>
     <p:sldId id="256" r:id="rId2"/>
@@ -16,14 +16,18 @@
     <p:sldId id="262" r:id="rId7"/>
     <p:sldId id="261" r:id="rId8"/>
     <p:sldId id="267" r:id="rId9"/>
-    <p:sldId id="268" r:id="rId10"/>
-    <p:sldId id="263" r:id="rId11"/>
-    <p:sldId id="264" r:id="rId12"/>
-    <p:sldId id="266" r:id="rId13"/>
-    <p:sldId id="270" r:id="rId14"/>
-    <p:sldId id="271" r:id="rId15"/>
-    <p:sldId id="272" r:id="rId16"/>
-    <p:sldId id="273" r:id="rId17"/>
+    <p:sldId id="263" r:id="rId10"/>
+    <p:sldId id="264" r:id="rId11"/>
+    <p:sldId id="268" r:id="rId12"/>
+    <p:sldId id="271" r:id="rId13"/>
+    <p:sldId id="276" r:id="rId14"/>
+    <p:sldId id="280" r:id="rId15"/>
+    <p:sldId id="281" r:id="rId16"/>
+    <p:sldId id="282" r:id="rId17"/>
+    <p:sldId id="266" r:id="rId18"/>
+    <p:sldId id="283" r:id="rId19"/>
+    <p:sldId id="270" r:id="rId20"/>
+    <p:sldId id="273" r:id="rId21"/>
   </p:sldIdLst>
   <p:sldSz cx="12192000" cy="6858000"/>
   <p:notesSz cx="6858000" cy="9144000"/>
@@ -123,6 +127,34 @@
     </a:lvl9pPr>
   </p:defaultTextStyle>
   <p:extLst>
+    <p:ext uri="{521415D9-36F7-43E2-AB2F-B90AF26B5E84}">
+      <p14:sectionLst xmlns:p14="http://schemas.microsoft.com/office/powerpoint/2010/main">
+        <p14:section name="Default Section" id="{14698A1C-BF8E-D44F-9FF5-4068A912DE8D}">
+          <p14:sldIdLst>
+            <p14:sldId id="256"/>
+            <p14:sldId id="257"/>
+            <p14:sldId id="259"/>
+            <p14:sldId id="260"/>
+            <p14:sldId id="269"/>
+            <p14:sldId id="262"/>
+            <p14:sldId id="261"/>
+            <p14:sldId id="267"/>
+            <p14:sldId id="263"/>
+            <p14:sldId id="264"/>
+            <p14:sldId id="268"/>
+            <p14:sldId id="271"/>
+            <p14:sldId id="276"/>
+            <p14:sldId id="280"/>
+            <p14:sldId id="281"/>
+            <p14:sldId id="282"/>
+            <p14:sldId id="266"/>
+            <p14:sldId id="283"/>
+            <p14:sldId id="270"/>
+            <p14:sldId id="273"/>
+          </p14:sldIdLst>
+        </p14:section>
+      </p14:sectionLst>
+    </p:ext>
     <p:ext uri="{EFAFB233-063F-42B5-8137-9DF3F51BA10A}">
       <p15:sldGuideLst xmlns:p15="http://schemas.microsoft.com/office/powerpoint/2012/main">
         <p15:guide id="1" orient="horz" pos="2160" userDrawn="1">
@@ -223,7 +255,7 @@
           <a:p>
             <a:fld id="{ABBD1E41-8920-904F-9D5B-0E5D6C4E870C}" type="datetimeFigureOut">
               <a:rPr lang="en-US" smtClean="0"/>
-              <a:t>11/15/21</a:t>
+              <a:t>11/16/21</a:t>
             </a:fld>
             <a:endParaRPr lang="en-US"/>
           </a:p>
@@ -491,6 +523,90 @@
 </file>
 
 <file path=ppt/notesSlides/notesSlide1.xml><?xml version="1.0" encoding="utf-8"?>
+<p:notes xmlns:a="http://schemas.openxmlformats.org/drawingml/2006/main" xmlns:r="http://schemas.openxmlformats.org/officeDocument/2006/relationships" xmlns:p="http://schemas.openxmlformats.org/presentationml/2006/main">
+  <p:cSld>
+    <p:spTree>
+      <p:nvGrpSpPr>
+        <p:cNvPr id="1" name=""/>
+        <p:cNvGrpSpPr/>
+        <p:nvPr/>
+      </p:nvGrpSpPr>
+      <p:grpSpPr>
+        <a:xfrm>
+          <a:off x="0" y="0"/>
+          <a:ext cx="0" cy="0"/>
+          <a:chOff x="0" y="0"/>
+          <a:chExt cx="0" cy="0"/>
+        </a:xfrm>
+      </p:grpSpPr>
+      <p:sp>
+        <p:nvSpPr>
+          <p:cNvPr id="2" name="Slide Image Placeholder 1"/>
+          <p:cNvSpPr>
+            <a:spLocks noGrp="1" noRot="1" noChangeAspect="1"/>
+          </p:cNvSpPr>
+          <p:nvPr>
+            <p:ph type="sldImg"/>
+          </p:nvPr>
+        </p:nvSpPr>
+        <p:spPr/>
+      </p:sp>
+      <p:sp>
+        <p:nvSpPr>
+          <p:cNvPr id="3" name="Notes Placeholder 2"/>
+          <p:cNvSpPr>
+            <a:spLocks noGrp="1"/>
+          </p:cNvSpPr>
+          <p:nvPr>
+            <p:ph type="body" idx="1"/>
+          </p:nvPr>
+        </p:nvSpPr>
+        <p:spPr/>
+        <p:txBody>
+          <a:bodyPr/>
+          <a:lstStyle/>
+          <a:p>
+            <a:endParaRPr lang="en-US" dirty="0"/>
+          </a:p>
+        </p:txBody>
+      </p:sp>
+      <p:sp>
+        <p:nvSpPr>
+          <p:cNvPr id="4" name="Slide Number Placeholder 3"/>
+          <p:cNvSpPr>
+            <a:spLocks noGrp="1"/>
+          </p:cNvSpPr>
+          <p:nvPr>
+            <p:ph type="sldNum" sz="quarter" idx="5"/>
+          </p:nvPr>
+        </p:nvSpPr>
+        <p:spPr/>
+        <p:txBody>
+          <a:bodyPr/>
+          <a:lstStyle/>
+          <a:p>
+            <a:fld id="{CFFB0630-7E25-E245-B885-6A6F1DB38CD5}" type="slidenum">
+              <a:rPr lang="en-US" smtClean="0"/>
+              <a:t>1</a:t>
+            </a:fld>
+            <a:endParaRPr lang="en-US"/>
+          </a:p>
+        </p:txBody>
+      </p:sp>
+    </p:spTree>
+    <p:extLst>
+      <p:ext uri="{BB962C8B-B14F-4D97-AF65-F5344CB8AC3E}">
+        <p14:creationId xmlns:p14="http://schemas.microsoft.com/office/powerpoint/2010/main" val="3390589607"/>
+      </p:ext>
+    </p:extLst>
+  </p:cSld>
+  <p:clrMapOvr>
+    <a:masterClrMapping/>
+  </p:clrMapOvr>
+</p:notes>
+</file>
+
+<file path=ppt/notesSlides/notesSlide2.xml><?xml version="1.0" encoding="utf-8"?>
 <p:notes xmlns:a="http://schemas.openxmlformats.org/drawingml/2006/main" xmlns:r="http://schemas.openxmlformats.org/officeDocument/2006/relationships" xmlns:p="http://schemas.openxmlformats.org/presentationml/2006/main">
   <p:cSld>
     <p:spTree>
@@ -1079,7 +1195,7 @@
           <a:p>
             <a:fld id="{F7549EF9-35FF-4553-97D0-F54BA5A5BF1D}" type="datetimeFigureOut">
               <a:rPr lang="zh-CN" altLang="en-US" smtClean="0"/>
-              <a:t>2021/11/15</a:t>
+              <a:t>2021/11/16</a:t>
             </a:fld>
             <a:endParaRPr lang="zh-CN" altLang="en-US"/>
           </a:p>
@@ -1256,7 +1372,7 @@
           <a:p>
             <a:fld id="{F7549EF9-35FF-4553-97D0-F54BA5A5BF1D}" type="datetimeFigureOut">
               <a:rPr lang="zh-CN" altLang="en-US" smtClean="0"/>
-              <a:t>2021/11/15</a:t>
+              <a:t>2021/11/16</a:t>
             </a:fld>
             <a:endParaRPr lang="zh-CN" altLang="en-US"/>
           </a:p>
@@ -1436,7 +1552,7 @@
           <a:p>
             <a:fld id="{F7549EF9-35FF-4553-97D0-F54BA5A5BF1D}" type="datetimeFigureOut">
               <a:rPr lang="zh-CN" altLang="en-US" smtClean="0"/>
-              <a:t>2021/11/15</a:t>
+              <a:t>2021/11/16</a:t>
             </a:fld>
             <a:endParaRPr lang="zh-CN" altLang="en-US"/>
           </a:p>
@@ -1606,7 +1722,7 @@
           <a:p>
             <a:fld id="{F7549EF9-35FF-4553-97D0-F54BA5A5BF1D}" type="datetimeFigureOut">
               <a:rPr lang="zh-CN" altLang="en-US" smtClean="0"/>
-              <a:t>2021/11/15</a:t>
+              <a:t>2021/11/16</a:t>
             </a:fld>
             <a:endParaRPr lang="zh-CN" altLang="en-US"/>
           </a:p>
@@ -1927,7 +2043,7 @@
           <a:p>
             <a:fld id="{F7549EF9-35FF-4553-97D0-F54BA5A5BF1D}" type="datetimeFigureOut">
               <a:rPr lang="zh-CN" altLang="en-US" smtClean="0"/>
-              <a:t>2021/11/15</a:t>
+              <a:t>2021/11/16</a:t>
             </a:fld>
             <a:endParaRPr lang="zh-CN" altLang="en-US"/>
           </a:p>
@@ -2387,7 +2503,7 @@
           <a:p>
             <a:fld id="{F7549EF9-35FF-4553-97D0-F54BA5A5BF1D}" type="datetimeFigureOut">
               <a:rPr lang="zh-CN" altLang="en-US" smtClean="0"/>
-              <a:t>2021/11/15</a:t>
+              <a:t>2021/11/16</a:t>
             </a:fld>
             <a:endParaRPr lang="zh-CN" altLang="en-US"/>
           </a:p>
@@ -2798,7 +2914,7 @@
           <a:p>
             <a:fld id="{F7549EF9-35FF-4553-97D0-F54BA5A5BF1D}" type="datetimeFigureOut">
               <a:rPr lang="zh-CN" altLang="en-US" smtClean="0"/>
-              <a:t>2021/11/15</a:t>
+              <a:t>2021/11/16</a:t>
             </a:fld>
             <a:endParaRPr lang="zh-CN" altLang="en-US"/>
           </a:p>
@@ -2916,7 +3032,7 @@
           <a:p>
             <a:fld id="{F7549EF9-35FF-4553-97D0-F54BA5A5BF1D}" type="datetimeFigureOut">
               <a:rPr lang="zh-CN" altLang="en-US" smtClean="0"/>
-              <a:t>2021/11/15</a:t>
+              <a:t>2021/11/16</a:t>
             </a:fld>
             <a:endParaRPr lang="zh-CN" altLang="en-US"/>
           </a:p>
@@ -3033,7 +3149,7 @@
           <a:p>
             <a:fld id="{F7549EF9-35FF-4553-97D0-F54BA5A5BF1D}" type="datetimeFigureOut">
               <a:rPr lang="zh-CN" altLang="en-US" smtClean="0"/>
-              <a:t>2021/11/15</a:t>
+              <a:t>2021/11/16</a:t>
             </a:fld>
             <a:endParaRPr lang="zh-CN" altLang="en-US"/>
           </a:p>
@@ -3391,7 +3507,7 @@
           <a:p>
             <a:fld id="{F7549EF9-35FF-4553-97D0-F54BA5A5BF1D}" type="datetimeFigureOut">
               <a:rPr lang="zh-CN" altLang="en-US" smtClean="0"/>
-              <a:t>2021/11/15</a:t>
+              <a:t>2021/11/16</a:t>
             </a:fld>
             <a:endParaRPr lang="zh-CN" altLang="en-US"/>
           </a:p>
@@ -3898,7 +4014,7 @@
           <a:p>
             <a:fld id="{F7549EF9-35FF-4553-97D0-F54BA5A5BF1D}" type="datetimeFigureOut">
               <a:rPr lang="zh-CN" altLang="en-US" smtClean="0"/>
-              <a:t>2021/11/15</a:t>
+              <a:t>2021/11/16</a:t>
             </a:fld>
             <a:endParaRPr lang="zh-CN" altLang="en-US"/>
           </a:p>
@@ -4253,7 +4369,7 @@
           <a:p>
             <a:fld id="{F7549EF9-35FF-4553-97D0-F54BA5A5BF1D}" type="datetimeFigureOut">
               <a:rPr lang="zh-CN" altLang="en-US" smtClean="0"/>
-              <a:t>2021/11/15</a:t>
+              <a:t>2021/11/16</a:t>
             </a:fld>
             <a:endParaRPr lang="zh-CN" altLang="en-US"/>
           </a:p>
@@ -5051,7 +5167,7 @@
           <p:cNvPr id="2" name="标题 1">
             <a:extLst>
               <a:ext uri="{FF2B5EF4-FFF2-40B4-BE49-F238E27FC236}">
-                <a16:creationId xmlns:a16="http://schemas.microsoft.com/office/drawing/2014/main" id="{4A8738D8-0579-4A8E-9977-6ECB1FC5E291}"/>
+                <a16:creationId xmlns:a16="http://schemas.microsoft.com/office/drawing/2014/main" id="{13D70089-230A-428E-9C46-0C926EBA337E}"/>
               </a:ext>
             </a:extLst>
           </p:cNvPr>
@@ -5064,8 +5180,8 @@
         </p:nvSpPr>
         <p:spPr>
           <a:xfrm>
-            <a:off x="1063752" y="1209846"/>
-            <a:ext cx="10058400" cy="1609344"/>
+            <a:off x="1069847" y="484632"/>
+            <a:ext cx="11296323" cy="1609344"/>
           </a:xfrm>
         </p:spPr>
         <p:txBody>
@@ -5076,405 +5192,11 @@
           <a:p>
             <a:r>
               <a:rPr lang="en-US" altLang="zh-CN" dirty="0"/>
-              <a:t>Top 10 most ‘popular’ sandwich restaurants</a:t>
+              <a:t>The distribution of reviews scores</a:t>
             </a:r>
             <a:br>
               <a:rPr lang="en-US" altLang="zh-CN" dirty="0"/>
             </a:br>
-            <a:br>
-              <a:rPr lang="en-US" altLang="zh-CN" dirty="0"/>
-            </a:br>
-            <a:br>
-              <a:rPr lang="zh-CN" altLang="en-US" dirty="0"/>
-            </a:br>
-            <a:endParaRPr lang="zh-CN" altLang="en-US" dirty="0"/>
-          </a:p>
-        </p:txBody>
-      </p:sp>
-      <p:sp>
-        <p:nvSpPr>
-          <p:cNvPr id="3" name="内容占位符 2">
-            <a:extLst>
-              <a:ext uri="{FF2B5EF4-FFF2-40B4-BE49-F238E27FC236}">
-                <a16:creationId xmlns:a16="http://schemas.microsoft.com/office/drawing/2014/main" id="{54901F14-9EE1-422D-BE10-D2069219EF01}"/>
-              </a:ext>
-            </a:extLst>
-          </p:cNvPr>
-          <p:cNvSpPr>
-            <a:spLocks noGrp="1"/>
-          </p:cNvSpPr>
-          <p:nvPr>
-            <p:ph idx="1"/>
-          </p:nvPr>
-        </p:nvSpPr>
-        <p:spPr>
-          <a:xfrm>
-            <a:off x="1063752" y="1403604"/>
-            <a:ext cx="10058400" cy="4050792"/>
-          </a:xfrm>
-        </p:spPr>
-        <p:txBody>
-          <a:bodyPr/>
-          <a:lstStyle/>
-          <a:p>
-            <a:pPr marL="0" indent="0">
-              <a:buNone/>
-            </a:pPr>
-            <a:endParaRPr lang="zh-CN" altLang="en-US" dirty="0"/>
-          </a:p>
-        </p:txBody>
-      </p:sp>
-      <p:pic>
-        <p:nvPicPr>
-          <p:cNvPr id="5" name="图片 4">
-            <a:extLst>
-              <a:ext uri="{FF2B5EF4-FFF2-40B4-BE49-F238E27FC236}">
-                <a16:creationId xmlns:a16="http://schemas.microsoft.com/office/drawing/2014/main" id="{D0A92899-D98A-43E4-8092-88E01431E298}"/>
-              </a:ext>
-            </a:extLst>
-          </p:cNvPr>
-          <p:cNvPicPr>
-            <a:picLocks noChangeAspect="1"/>
-          </p:cNvPicPr>
-          <p:nvPr/>
-        </p:nvPicPr>
-        <p:blipFill>
-          <a:blip r:embed="rId2"/>
-          <a:stretch>
-            <a:fillRect/>
-          </a:stretch>
-        </p:blipFill>
-        <p:spPr>
-          <a:xfrm>
-            <a:off x="2595667" y="2465334"/>
-            <a:ext cx="5367142" cy="3940835"/>
-          </a:xfrm>
-          <a:prstGeom prst="rect">
-            <a:avLst/>
-          </a:prstGeom>
-        </p:spPr>
-      </p:pic>
-      <p:graphicFrame>
-        <p:nvGraphicFramePr>
-          <p:cNvPr id="8" name="表格 8">
-            <a:extLst>
-              <a:ext uri="{FF2B5EF4-FFF2-40B4-BE49-F238E27FC236}">
-                <a16:creationId xmlns:a16="http://schemas.microsoft.com/office/drawing/2014/main" id="{93B655E2-B357-40A7-84E6-D95C43D62300}"/>
-              </a:ext>
-            </a:extLst>
-          </p:cNvPr>
-          <p:cNvGraphicFramePr>
-            <a:graphicFrameLocks noGrp="1"/>
-          </p:cNvGraphicFramePr>
-          <p:nvPr>
-            <p:extLst>
-              <p:ext uri="{D42A27DB-BD31-4B8C-83A1-F6EECF244321}">
-                <p14:modId xmlns:p14="http://schemas.microsoft.com/office/powerpoint/2010/main" val="2108551396"/>
-              </p:ext>
-            </p:extLst>
-          </p:nvPr>
-        </p:nvGraphicFramePr>
-        <p:xfrm>
-          <a:off x="8070585" y="2465334"/>
-          <a:ext cx="1016854" cy="3946240"/>
-        </p:xfrm>
-        <a:graphic>
-          <a:graphicData uri="http://schemas.openxmlformats.org/drawingml/2006/table">
-            <a:tbl>
-              <a:tblPr bandRow="1">
-                <a:tableStyleId>{3B4B98B0-60AC-42C2-AFA5-B58CD77FA1E5}</a:tableStyleId>
-              </a:tblPr>
-              <a:tblGrid>
-                <a:gridCol w="1016854">
-                  <a:extLst>
-                    <a:ext uri="{9D8B030D-6E8A-4147-A177-3AD203B41FA5}">
-                      <a16:colId xmlns:a16="http://schemas.microsoft.com/office/drawing/2014/main" val="404760539"/>
-                    </a:ext>
-                  </a:extLst>
-                </a:gridCol>
-              </a:tblGrid>
-              <a:tr h="394624">
-                <a:tc>
-                  <a:txBody>
-                    <a:bodyPr/>
-                    <a:lstStyle/>
-                    <a:p>
-                      <a:pPr marL="0" marR="0" lvl="0" indent="0" algn="l" defTabSz="914400" rtl="0" eaLnBrk="1" fontAlgn="auto" latinLnBrk="0" hangingPunct="1">
-                        <a:lnSpc>
-                          <a:spcPct val="100000"/>
-                        </a:lnSpc>
-                        <a:spcBef>
-                          <a:spcPts val="0"/>
-                        </a:spcBef>
-                        <a:spcAft>
-                          <a:spcPts val="0"/>
-                        </a:spcAft>
-                        <a:buClrTx/>
-                        <a:buSzTx/>
-                        <a:buFontTx/>
-                        <a:buNone/>
-                        <a:tabLst/>
-                        <a:defRPr/>
-                      </a:pPr>
-                      <a:r>
-                        <a:rPr lang="en-US" altLang="zh-CN" dirty="0"/>
-                        <a:t>2.55</a:t>
-                      </a:r>
-                      <a:endParaRPr lang="zh-CN" altLang="en-US" dirty="0"/>
-                    </a:p>
-                  </a:txBody>
-                  <a:tcPr/>
-                </a:tc>
-                <a:extLst>
-                  <a:ext uri="{0D108BD9-81ED-4DB2-BD59-A6C34878D82A}">
-                    <a16:rowId xmlns:a16="http://schemas.microsoft.com/office/drawing/2014/main" val="2698244816"/>
-                  </a:ext>
-                </a:extLst>
-              </a:tr>
-              <a:tr h="394624">
-                <a:tc>
-                  <a:txBody>
-                    <a:bodyPr/>
-                    <a:lstStyle/>
-                    <a:p>
-                      <a:r>
-                        <a:rPr lang="en-US" altLang="zh-CN" dirty="0"/>
-                        <a:t>4.2</a:t>
-                      </a:r>
-                      <a:endParaRPr lang="zh-CN" altLang="en-US" dirty="0"/>
-                    </a:p>
-                  </a:txBody>
-                  <a:tcPr/>
-                </a:tc>
-                <a:extLst>
-                  <a:ext uri="{0D108BD9-81ED-4DB2-BD59-A6C34878D82A}">
-                    <a16:rowId xmlns:a16="http://schemas.microsoft.com/office/drawing/2014/main" val="1442946284"/>
-                  </a:ext>
-                </a:extLst>
-              </a:tr>
-              <a:tr h="394624">
-                <a:tc>
-                  <a:txBody>
-                    <a:bodyPr/>
-                    <a:lstStyle/>
-                    <a:p>
-                      <a:r>
-                        <a:rPr lang="en-US" altLang="zh-CN" dirty="0"/>
-                        <a:t>2.6</a:t>
-                      </a:r>
-                      <a:endParaRPr lang="zh-CN" altLang="en-US" dirty="0"/>
-                    </a:p>
-                  </a:txBody>
-                  <a:tcPr/>
-                </a:tc>
-                <a:extLst>
-                  <a:ext uri="{0D108BD9-81ED-4DB2-BD59-A6C34878D82A}">
-                    <a16:rowId xmlns:a16="http://schemas.microsoft.com/office/drawing/2014/main" val="657547598"/>
-                  </a:ext>
-                </a:extLst>
-              </a:tr>
-              <a:tr h="394624">
-                <a:tc>
-                  <a:txBody>
-                    <a:bodyPr/>
-                    <a:lstStyle/>
-                    <a:p>
-                      <a:r>
-                        <a:rPr lang="en-US" altLang="zh-CN" dirty="0"/>
-                        <a:t>2.39</a:t>
-                      </a:r>
-                      <a:endParaRPr lang="zh-CN" altLang="en-US" dirty="0"/>
-                    </a:p>
-                  </a:txBody>
-                  <a:tcPr/>
-                </a:tc>
-                <a:extLst>
-                  <a:ext uri="{0D108BD9-81ED-4DB2-BD59-A6C34878D82A}">
-                    <a16:rowId xmlns:a16="http://schemas.microsoft.com/office/drawing/2014/main" val="4205071382"/>
-                  </a:ext>
-                </a:extLst>
-              </a:tr>
-              <a:tr h="394624">
-                <a:tc>
-                  <a:txBody>
-                    <a:bodyPr/>
-                    <a:lstStyle/>
-                    <a:p>
-                      <a:r>
-                        <a:rPr lang="en-US" altLang="zh-CN" dirty="0"/>
-                        <a:t>4.5</a:t>
-                      </a:r>
-                      <a:endParaRPr lang="zh-CN" altLang="en-US" dirty="0"/>
-                    </a:p>
-                  </a:txBody>
-                  <a:tcPr/>
-                </a:tc>
-                <a:extLst>
-                  <a:ext uri="{0D108BD9-81ED-4DB2-BD59-A6C34878D82A}">
-                    <a16:rowId xmlns:a16="http://schemas.microsoft.com/office/drawing/2014/main" val="4032911595"/>
-                  </a:ext>
-                </a:extLst>
-              </a:tr>
-              <a:tr h="394624">
-                <a:tc>
-                  <a:txBody>
-                    <a:bodyPr/>
-                    <a:lstStyle/>
-                    <a:p>
-                      <a:r>
-                        <a:rPr lang="en-US" altLang="zh-CN" dirty="0"/>
-                        <a:t>4.5</a:t>
-                      </a:r>
-                      <a:endParaRPr lang="zh-CN" altLang="en-US" dirty="0"/>
-                    </a:p>
-                  </a:txBody>
-                  <a:tcPr/>
-                </a:tc>
-                <a:extLst>
-                  <a:ext uri="{0D108BD9-81ED-4DB2-BD59-A6C34878D82A}">
-                    <a16:rowId xmlns:a16="http://schemas.microsoft.com/office/drawing/2014/main" val="4085285308"/>
-                  </a:ext>
-                </a:extLst>
-              </a:tr>
-              <a:tr h="394624">
-                <a:tc>
-                  <a:txBody>
-                    <a:bodyPr/>
-                    <a:lstStyle/>
-                    <a:p>
-                      <a:r>
-                        <a:rPr lang="en-US" altLang="zh-CN" dirty="0"/>
-                        <a:t>2.76</a:t>
-                      </a:r>
-                      <a:endParaRPr lang="zh-CN" altLang="en-US" dirty="0"/>
-                    </a:p>
-                  </a:txBody>
-                  <a:tcPr/>
-                </a:tc>
-                <a:extLst>
-                  <a:ext uri="{0D108BD9-81ED-4DB2-BD59-A6C34878D82A}">
-                    <a16:rowId xmlns:a16="http://schemas.microsoft.com/office/drawing/2014/main" val="3847977367"/>
-                  </a:ext>
-                </a:extLst>
-              </a:tr>
-              <a:tr h="394624">
-                <a:tc>
-                  <a:txBody>
-                    <a:bodyPr/>
-                    <a:lstStyle/>
-                    <a:p>
-                      <a:r>
-                        <a:rPr lang="en-US" altLang="zh-CN" dirty="0"/>
-                        <a:t>4.5</a:t>
-                      </a:r>
-                      <a:endParaRPr lang="zh-CN" altLang="en-US" dirty="0"/>
-                    </a:p>
-                  </a:txBody>
-                  <a:tcPr/>
-                </a:tc>
-                <a:extLst>
-                  <a:ext uri="{0D108BD9-81ED-4DB2-BD59-A6C34878D82A}">
-                    <a16:rowId xmlns:a16="http://schemas.microsoft.com/office/drawing/2014/main" val="2539887607"/>
-                  </a:ext>
-                </a:extLst>
-              </a:tr>
-              <a:tr h="394624">
-                <a:tc>
-                  <a:txBody>
-                    <a:bodyPr/>
-                    <a:lstStyle/>
-                    <a:p>
-                      <a:r>
-                        <a:rPr lang="en-US" altLang="zh-CN" dirty="0"/>
-                        <a:t>4.25</a:t>
-                      </a:r>
-                      <a:endParaRPr lang="zh-CN" altLang="en-US" dirty="0"/>
-                    </a:p>
-                  </a:txBody>
-                  <a:tcPr/>
-                </a:tc>
-                <a:extLst>
-                  <a:ext uri="{0D108BD9-81ED-4DB2-BD59-A6C34878D82A}">
-                    <a16:rowId xmlns:a16="http://schemas.microsoft.com/office/drawing/2014/main" val="1141455472"/>
-                  </a:ext>
-                </a:extLst>
-              </a:tr>
-              <a:tr h="394624">
-                <a:tc>
-                  <a:txBody>
-                    <a:bodyPr/>
-                    <a:lstStyle/>
-                    <a:p>
-                      <a:r>
-                        <a:rPr lang="en-US" altLang="zh-CN" dirty="0"/>
-                        <a:t>4.0</a:t>
-                      </a:r>
-                      <a:endParaRPr lang="zh-CN" altLang="en-US" dirty="0"/>
-                    </a:p>
-                  </a:txBody>
-                  <a:tcPr/>
-                </a:tc>
-                <a:extLst>
-                  <a:ext uri="{0D108BD9-81ED-4DB2-BD59-A6C34878D82A}">
-                    <a16:rowId xmlns:a16="http://schemas.microsoft.com/office/drawing/2014/main" val="3085991822"/>
-                  </a:ext>
-                </a:extLst>
-              </a:tr>
-            </a:tbl>
-          </a:graphicData>
-        </a:graphic>
-      </p:graphicFrame>
-    </p:spTree>
-    <p:extLst>
-      <p:ext uri="{BB962C8B-B14F-4D97-AF65-F5344CB8AC3E}">
-        <p14:creationId xmlns:p14="http://schemas.microsoft.com/office/powerpoint/2010/main" val="3830056440"/>
-      </p:ext>
-    </p:extLst>
-  </p:cSld>
-  <p:clrMapOvr>
-    <a:masterClrMapping/>
-  </p:clrMapOvr>
-</p:sld>
-</file>
-
-<file path=ppt/slides/slide11.xml><?xml version="1.0" encoding="utf-8"?>
-<p:sld xmlns:a="http://schemas.openxmlformats.org/drawingml/2006/main" xmlns:r="http://schemas.openxmlformats.org/officeDocument/2006/relationships" xmlns:p="http://schemas.openxmlformats.org/presentationml/2006/main">
-  <p:cSld>
-    <p:spTree>
-      <p:nvGrpSpPr>
-        <p:cNvPr id="1" name=""/>
-        <p:cNvGrpSpPr/>
-        <p:nvPr/>
-      </p:nvGrpSpPr>
-      <p:grpSpPr>
-        <a:xfrm>
-          <a:off x="0" y="0"/>
-          <a:ext cx="0" cy="0"/>
-          <a:chOff x="0" y="0"/>
-          <a:chExt cx="0" cy="0"/>
-        </a:xfrm>
-      </p:grpSpPr>
-      <p:sp>
-        <p:nvSpPr>
-          <p:cNvPr id="2" name="标题 1">
-            <a:extLst>
-              <a:ext uri="{FF2B5EF4-FFF2-40B4-BE49-F238E27FC236}">
-                <a16:creationId xmlns:a16="http://schemas.microsoft.com/office/drawing/2014/main" id="{13D70089-230A-428E-9C46-0C926EBA337E}"/>
-              </a:ext>
-            </a:extLst>
-          </p:cNvPr>
-          <p:cNvSpPr>
-            <a:spLocks noGrp="1"/>
-          </p:cNvSpPr>
-          <p:nvPr>
-            <p:ph type="title"/>
-          </p:nvPr>
-        </p:nvSpPr>
-        <p:spPr/>
-        <p:txBody>
-          <a:bodyPr/>
-          <a:lstStyle/>
-          <a:p>
             <a:endParaRPr lang="zh-CN" altLang="en-US" dirty="0"/>
           </a:p>
         </p:txBody>
@@ -5497,7 +5219,7 @@
         </p:nvSpPr>
         <p:spPr>
           <a:xfrm>
-            <a:off x="1213945" y="746945"/>
+            <a:off x="1069847" y="1617802"/>
             <a:ext cx="10058400" cy="4050792"/>
           </a:xfrm>
         </p:spPr>
@@ -5507,16 +5229,7 @@
           <a:p>
             <a:r>
               <a:rPr lang="en-US" altLang="zh-CN" dirty="0"/>
-              <a:t>Top 10 most popular 5-star sandwich restaurants</a:t>
-            </a:r>
-          </a:p>
-          <a:p>
-            <a:pPr marL="0" indent="0">
-              <a:buNone/>
-            </a:pPr>
-            <a:r>
-              <a:rPr lang="en-US" altLang="zh-CN" dirty="0"/>
-              <a:t>  5-star restaurants are all small size</a:t>
+              <a:t>5-star restaurants are all small size</a:t>
             </a:r>
           </a:p>
         </p:txBody>
@@ -5564,7 +5277,690 @@
 </p:sld>
 </file>
 
+<file path=ppt/slides/slide11.xml><?xml version="1.0" encoding="utf-8"?>
+<p:sld xmlns:a="http://schemas.openxmlformats.org/drawingml/2006/main" xmlns:r="http://schemas.openxmlformats.org/officeDocument/2006/relationships" xmlns:p="http://schemas.openxmlformats.org/presentationml/2006/main">
+  <p:cSld>
+    <p:spTree>
+      <p:nvGrpSpPr>
+        <p:cNvPr id="1" name=""/>
+        <p:cNvGrpSpPr/>
+        <p:nvPr/>
+      </p:nvGrpSpPr>
+      <p:grpSpPr>
+        <a:xfrm>
+          <a:off x="0" y="0"/>
+          <a:ext cx="0" cy="0"/>
+          <a:chOff x="0" y="0"/>
+          <a:chExt cx="0" cy="0"/>
+        </a:xfrm>
+      </p:grpSpPr>
+      <p:sp>
+        <p:nvSpPr>
+          <p:cNvPr id="2" name="标题 1">
+            <a:extLst>
+              <a:ext uri="{FF2B5EF4-FFF2-40B4-BE49-F238E27FC236}">
+                <a16:creationId xmlns:a16="http://schemas.microsoft.com/office/drawing/2014/main" id="{FA0E222C-A419-4BCF-B774-32874D708DAD}"/>
+              </a:ext>
+            </a:extLst>
+          </p:cNvPr>
+          <p:cNvSpPr>
+            <a:spLocks noGrp="1"/>
+          </p:cNvSpPr>
+          <p:nvPr>
+            <p:ph type="title"/>
+          </p:nvPr>
+        </p:nvSpPr>
+        <p:spPr/>
+        <p:txBody>
+          <a:bodyPr/>
+          <a:lstStyle/>
+          <a:p>
+            <a:r>
+              <a:rPr lang="en-US" altLang="zh-CN" dirty="0"/>
+              <a:t>Customers are</a:t>
+            </a:r>
+            <a:r>
+              <a:rPr lang="zh-CN" altLang="en-US" dirty="0"/>
+              <a:t> </a:t>
+            </a:r>
+            <a:r>
+              <a:rPr lang="en-US" altLang="zh-CN" dirty="0"/>
+              <a:t>“mean”</a:t>
+            </a:r>
+            <a:r>
+              <a:rPr lang="zh-CN" altLang="en-US" dirty="0"/>
+              <a:t> </a:t>
+            </a:r>
+            <a:endParaRPr lang="en-US" altLang="zh-CN" dirty="0"/>
+          </a:p>
+        </p:txBody>
+      </p:sp>
+      <p:sp>
+        <p:nvSpPr>
+          <p:cNvPr id="3" name="内容占位符 2">
+            <a:extLst>
+              <a:ext uri="{FF2B5EF4-FFF2-40B4-BE49-F238E27FC236}">
+                <a16:creationId xmlns:a16="http://schemas.microsoft.com/office/drawing/2014/main" id="{FA52904C-1732-424D-A93A-2E288C902A9B}"/>
+              </a:ext>
+            </a:extLst>
+          </p:cNvPr>
+          <p:cNvSpPr>
+            <a:spLocks noGrp="1"/>
+          </p:cNvSpPr>
+          <p:nvPr>
+            <p:ph idx="1"/>
+          </p:nvPr>
+        </p:nvSpPr>
+        <p:spPr/>
+        <p:txBody>
+          <a:bodyPr/>
+          <a:lstStyle/>
+          <a:p>
+            <a:endParaRPr lang="en-US" altLang="zh-CN" dirty="0"/>
+          </a:p>
+          <a:p>
+            <a:pPr marL="0" indent="0">
+              <a:buNone/>
+            </a:pPr>
+            <a:r>
+              <a:rPr lang="en-US" altLang="zh-CN" dirty="0"/>
+              <a:t>166 customers gave one-star stores with a five-star review </a:t>
+            </a:r>
+          </a:p>
+          <a:p>
+            <a:pPr marL="0" indent="0">
+              <a:buNone/>
+            </a:pPr>
+            <a:r>
+              <a:rPr lang="en-US" altLang="zh-CN" dirty="0"/>
+              <a:t>5,190 customers gave five-star stores with a one-star review</a:t>
+            </a:r>
+            <a:endParaRPr lang="zh-CN" altLang="en-US" dirty="0"/>
+          </a:p>
+        </p:txBody>
+      </p:sp>
+      <p:sp>
+        <p:nvSpPr>
+          <p:cNvPr id="4" name="Rectangle 3">
+            <a:extLst>
+              <a:ext uri="{FF2B5EF4-FFF2-40B4-BE49-F238E27FC236}">
+                <a16:creationId xmlns:a16="http://schemas.microsoft.com/office/drawing/2014/main" id="{10B9B722-F755-D84B-9DAF-A428C1F05E92}"/>
+              </a:ext>
+            </a:extLst>
+          </p:cNvPr>
+          <p:cNvSpPr/>
+          <p:nvPr/>
+        </p:nvSpPr>
+        <p:spPr>
+          <a:xfrm>
+            <a:off x="1063752" y="4073232"/>
+            <a:ext cx="8061435" cy="1754326"/>
+          </a:xfrm>
+          <a:prstGeom prst="rect">
+            <a:avLst/>
+          </a:prstGeom>
+        </p:spPr>
+        <p:txBody>
+          <a:bodyPr wrap="square">
+            <a:spAutoFit/>
+          </a:bodyPr>
+          <a:lstStyle/>
+          <a:p>
+            <a:r>
+              <a:rPr lang="en-US" altLang="zh-CN" dirty="0"/>
+              <a:t>Work</a:t>
+            </a:r>
+            <a:r>
+              <a:rPr lang="zh-CN" altLang="en-US" dirty="0"/>
+              <a:t> </a:t>
+            </a:r>
+            <a:r>
+              <a:rPr lang="en-US" altLang="zh-CN" dirty="0"/>
+              <a:t>TODO:</a:t>
+            </a:r>
+            <a:r>
+              <a:rPr lang="zh-CN" altLang="en-US" dirty="0"/>
+              <a:t> </a:t>
+            </a:r>
+            <a:r>
+              <a:rPr lang="en-US" altLang="zh-CN" dirty="0"/>
+              <a:t>Explore key words of giving good and bad reviews:</a:t>
+            </a:r>
+          </a:p>
+          <a:p>
+            <a:endParaRPr lang="en-US" altLang="zh-CN" dirty="0"/>
+          </a:p>
+          <a:p>
+            <a:r>
+              <a:rPr lang="en-US" altLang="zh-CN" dirty="0"/>
+              <a:t>1.Good reviews of top restaurants</a:t>
+            </a:r>
+          </a:p>
+          <a:p>
+            <a:r>
+              <a:rPr lang="en-US" altLang="zh-CN" dirty="0"/>
+              <a:t>2.Bad reviews of poor restaurants</a:t>
+            </a:r>
+          </a:p>
+          <a:p>
+            <a:r>
+              <a:rPr lang="en-US" altLang="zh-CN" dirty="0"/>
+              <a:t>3.Good reviews of poor restaurants</a:t>
+            </a:r>
+          </a:p>
+          <a:p>
+            <a:r>
+              <a:rPr lang="en-US" altLang="zh-CN" dirty="0"/>
+              <a:t>4.Bad reviews of top restaurants</a:t>
+            </a:r>
+          </a:p>
+        </p:txBody>
+      </p:sp>
+    </p:spTree>
+    <p:extLst>
+      <p:ext uri="{BB962C8B-B14F-4D97-AF65-F5344CB8AC3E}">
+        <p14:creationId xmlns:p14="http://schemas.microsoft.com/office/powerpoint/2010/main" val="1444831564"/>
+      </p:ext>
+    </p:extLst>
+  </p:cSld>
+  <p:clrMapOvr>
+    <a:masterClrMapping/>
+  </p:clrMapOvr>
+</p:sld>
+</file>
+
 <file path=ppt/slides/slide12.xml><?xml version="1.0" encoding="utf-8"?>
+<p:sld xmlns:a="http://schemas.openxmlformats.org/drawingml/2006/main" xmlns:r="http://schemas.openxmlformats.org/officeDocument/2006/relationships" xmlns:p="http://schemas.openxmlformats.org/presentationml/2006/main">
+  <p:cSld>
+    <p:spTree>
+      <p:nvGrpSpPr>
+        <p:cNvPr id="1" name=""/>
+        <p:cNvGrpSpPr/>
+        <p:nvPr/>
+      </p:nvGrpSpPr>
+      <p:grpSpPr>
+        <a:xfrm>
+          <a:off x="0" y="0"/>
+          <a:ext cx="0" cy="0"/>
+          <a:chOff x="0" y="0"/>
+          <a:chExt cx="0" cy="0"/>
+        </a:xfrm>
+      </p:grpSpPr>
+      <p:sp>
+        <p:nvSpPr>
+          <p:cNvPr id="2" name="Title 1">
+            <a:extLst>
+              <a:ext uri="{FF2B5EF4-FFF2-40B4-BE49-F238E27FC236}">
+                <a16:creationId xmlns:a16="http://schemas.microsoft.com/office/drawing/2014/main" id="{D3C4D976-477A-494F-AC9D-16F55D7F3D11}"/>
+              </a:ext>
+            </a:extLst>
+          </p:cNvPr>
+          <p:cNvSpPr>
+            <a:spLocks noGrp="1"/>
+          </p:cNvSpPr>
+          <p:nvPr>
+            <p:ph type="title"/>
+          </p:nvPr>
+        </p:nvSpPr>
+        <p:spPr>
+          <a:xfrm>
+            <a:off x="323613" y="211363"/>
+            <a:ext cx="10058400" cy="1609344"/>
+          </a:xfrm>
+        </p:spPr>
+        <p:txBody>
+          <a:bodyPr/>
+          <a:lstStyle/>
+          <a:p>
+            <a:r>
+              <a:rPr lang="en-US" dirty="0"/>
+              <a:t>1 star</a:t>
+            </a:r>
+          </a:p>
+        </p:txBody>
+      </p:sp>
+      <p:pic>
+        <p:nvPicPr>
+          <p:cNvPr id="4" name="Picture 3" descr="Text, whiteboard&#10;&#10;Description automatically generated">
+            <a:extLst>
+              <a:ext uri="{FF2B5EF4-FFF2-40B4-BE49-F238E27FC236}">
+                <a16:creationId xmlns:a16="http://schemas.microsoft.com/office/drawing/2014/main" id="{14C27E98-D483-2449-84B2-C332CFE77715}"/>
+              </a:ext>
+            </a:extLst>
+          </p:cNvPr>
+          <p:cNvPicPr>
+            <a:picLocks noChangeAspect="1"/>
+          </p:cNvPicPr>
+          <p:nvPr/>
+        </p:nvPicPr>
+        <p:blipFill>
+          <a:blip r:embed="rId2">
+            <a:extLst>
+              <a:ext uri="{28A0092B-C50C-407E-A947-70E740481C1C}">
+                <a14:useLocalDpi xmlns:a14="http://schemas.microsoft.com/office/drawing/2010/main" val="0"/>
+              </a:ext>
+            </a:extLst>
+          </a:blip>
+          <a:stretch>
+            <a:fillRect/>
+          </a:stretch>
+        </p:blipFill>
+        <p:spPr>
+          <a:xfrm>
+            <a:off x="2922385" y="132331"/>
+            <a:ext cx="5969976" cy="6725669"/>
+          </a:xfrm>
+          <a:prstGeom prst="rect">
+            <a:avLst/>
+          </a:prstGeom>
+        </p:spPr>
+      </p:pic>
+    </p:spTree>
+    <p:extLst>
+      <p:ext uri="{BB962C8B-B14F-4D97-AF65-F5344CB8AC3E}">
+        <p14:creationId xmlns:p14="http://schemas.microsoft.com/office/powerpoint/2010/main" val="1594899385"/>
+      </p:ext>
+    </p:extLst>
+  </p:cSld>
+  <p:clrMapOvr>
+    <a:masterClrMapping/>
+  </p:clrMapOvr>
+</p:sld>
+</file>
+
+<file path=ppt/slides/slide13.xml><?xml version="1.0" encoding="utf-8"?>
+<p:sld xmlns:a="http://schemas.openxmlformats.org/drawingml/2006/main" xmlns:r="http://schemas.openxmlformats.org/officeDocument/2006/relationships" xmlns:p="http://schemas.openxmlformats.org/presentationml/2006/main">
+  <p:cSld>
+    <p:spTree>
+      <p:nvGrpSpPr>
+        <p:cNvPr id="1" name=""/>
+        <p:cNvGrpSpPr/>
+        <p:nvPr/>
+      </p:nvGrpSpPr>
+      <p:grpSpPr>
+        <a:xfrm>
+          <a:off x="0" y="0"/>
+          <a:ext cx="0" cy="0"/>
+          <a:chOff x="0" y="0"/>
+          <a:chExt cx="0" cy="0"/>
+        </a:xfrm>
+      </p:grpSpPr>
+      <p:sp>
+        <p:nvSpPr>
+          <p:cNvPr id="2" name="Title 1">
+            <a:extLst>
+              <a:ext uri="{FF2B5EF4-FFF2-40B4-BE49-F238E27FC236}">
+                <a16:creationId xmlns:a16="http://schemas.microsoft.com/office/drawing/2014/main" id="{D3C4D976-477A-494F-AC9D-16F55D7F3D11}"/>
+              </a:ext>
+            </a:extLst>
+          </p:cNvPr>
+          <p:cNvSpPr>
+            <a:spLocks noGrp="1"/>
+          </p:cNvSpPr>
+          <p:nvPr>
+            <p:ph type="title"/>
+          </p:nvPr>
+        </p:nvSpPr>
+        <p:spPr>
+          <a:xfrm>
+            <a:off x="323613" y="211363"/>
+            <a:ext cx="10058400" cy="1609344"/>
+          </a:xfrm>
+        </p:spPr>
+        <p:txBody>
+          <a:bodyPr/>
+          <a:lstStyle/>
+          <a:p>
+            <a:r>
+              <a:rPr lang="en-US" dirty="0"/>
+              <a:t>2 star</a:t>
+            </a:r>
+          </a:p>
+        </p:txBody>
+      </p:sp>
+      <p:pic>
+        <p:nvPicPr>
+          <p:cNvPr id="8" name="Content Placeholder 7" descr="A picture containing map&#10;&#10;Description automatically generated">
+            <a:extLst>
+              <a:ext uri="{FF2B5EF4-FFF2-40B4-BE49-F238E27FC236}">
+                <a16:creationId xmlns:a16="http://schemas.microsoft.com/office/drawing/2014/main" id="{009BF66A-AE60-3147-8E8F-C3574711CF49}"/>
+              </a:ext>
+            </a:extLst>
+          </p:cNvPr>
+          <p:cNvPicPr>
+            <a:picLocks noGrp="1" noChangeAspect="1"/>
+          </p:cNvPicPr>
+          <p:nvPr>
+            <p:ph idx="1"/>
+          </p:nvPr>
+        </p:nvPicPr>
+        <p:blipFill>
+          <a:blip r:embed="rId2">
+            <a:extLst>
+              <a:ext uri="{28A0092B-C50C-407E-A947-70E740481C1C}">
+                <a14:useLocalDpi xmlns:a14="http://schemas.microsoft.com/office/drawing/2010/main" val="0"/>
+              </a:ext>
+            </a:extLst>
+          </a:blip>
+          <a:stretch>
+            <a:fillRect/>
+          </a:stretch>
+        </p:blipFill>
+        <p:spPr>
+          <a:xfrm>
+            <a:off x="4755194" y="368927"/>
+            <a:ext cx="3450655" cy="6120146"/>
+          </a:xfrm>
+        </p:spPr>
+      </p:pic>
+    </p:spTree>
+    <p:extLst>
+      <p:ext uri="{BB962C8B-B14F-4D97-AF65-F5344CB8AC3E}">
+        <p14:creationId xmlns:p14="http://schemas.microsoft.com/office/powerpoint/2010/main" val="3955476430"/>
+      </p:ext>
+    </p:extLst>
+  </p:cSld>
+  <p:clrMapOvr>
+    <a:masterClrMapping/>
+  </p:clrMapOvr>
+</p:sld>
+</file>
+
+<file path=ppt/slides/slide14.xml><?xml version="1.0" encoding="utf-8"?>
+<p:sld xmlns:a="http://schemas.openxmlformats.org/drawingml/2006/main" xmlns:r="http://schemas.openxmlformats.org/officeDocument/2006/relationships" xmlns:p="http://schemas.openxmlformats.org/presentationml/2006/main">
+  <p:cSld>
+    <p:spTree>
+      <p:nvGrpSpPr>
+        <p:cNvPr id="1" name=""/>
+        <p:cNvGrpSpPr/>
+        <p:nvPr/>
+      </p:nvGrpSpPr>
+      <p:grpSpPr>
+        <a:xfrm>
+          <a:off x="0" y="0"/>
+          <a:ext cx="0" cy="0"/>
+          <a:chOff x="0" y="0"/>
+          <a:chExt cx="0" cy="0"/>
+        </a:xfrm>
+      </p:grpSpPr>
+      <p:sp>
+        <p:nvSpPr>
+          <p:cNvPr id="2" name="Title 1">
+            <a:extLst>
+              <a:ext uri="{FF2B5EF4-FFF2-40B4-BE49-F238E27FC236}">
+                <a16:creationId xmlns:a16="http://schemas.microsoft.com/office/drawing/2014/main" id="{D3C4D976-477A-494F-AC9D-16F55D7F3D11}"/>
+              </a:ext>
+            </a:extLst>
+          </p:cNvPr>
+          <p:cNvSpPr>
+            <a:spLocks noGrp="1"/>
+          </p:cNvSpPr>
+          <p:nvPr>
+            <p:ph type="title"/>
+          </p:nvPr>
+        </p:nvSpPr>
+        <p:spPr>
+          <a:xfrm>
+            <a:off x="323613" y="211363"/>
+            <a:ext cx="10058400" cy="1609344"/>
+          </a:xfrm>
+        </p:spPr>
+        <p:txBody>
+          <a:bodyPr/>
+          <a:lstStyle/>
+          <a:p>
+            <a:r>
+              <a:rPr lang="en-US" dirty="0"/>
+              <a:t>3 star</a:t>
+            </a:r>
+          </a:p>
+        </p:txBody>
+      </p:sp>
+      <p:pic>
+        <p:nvPicPr>
+          <p:cNvPr id="4" name="Content Placeholder 3" descr="Text&#10;&#10;Description automatically generated">
+            <a:extLst>
+              <a:ext uri="{FF2B5EF4-FFF2-40B4-BE49-F238E27FC236}">
+                <a16:creationId xmlns:a16="http://schemas.microsoft.com/office/drawing/2014/main" id="{D65FC03C-7F11-584B-8C2F-BC48C258E3CF}"/>
+              </a:ext>
+            </a:extLst>
+          </p:cNvPr>
+          <p:cNvPicPr>
+            <a:picLocks noGrp="1" noChangeAspect="1"/>
+          </p:cNvPicPr>
+          <p:nvPr>
+            <p:ph idx="1"/>
+          </p:nvPr>
+        </p:nvPicPr>
+        <p:blipFill>
+          <a:blip r:embed="rId2">
+            <a:extLst>
+              <a:ext uri="{28A0092B-C50C-407E-A947-70E740481C1C}">
+                <a14:useLocalDpi xmlns:a14="http://schemas.microsoft.com/office/drawing/2010/main" val="0"/>
+              </a:ext>
+            </a:extLst>
+          </a:blip>
+          <a:stretch>
+            <a:fillRect/>
+          </a:stretch>
+        </p:blipFill>
+        <p:spPr>
+          <a:xfrm>
+            <a:off x="4227615" y="175469"/>
+            <a:ext cx="4726380" cy="6471168"/>
+          </a:xfrm>
+        </p:spPr>
+      </p:pic>
+    </p:spTree>
+    <p:extLst>
+      <p:ext uri="{BB962C8B-B14F-4D97-AF65-F5344CB8AC3E}">
+        <p14:creationId xmlns:p14="http://schemas.microsoft.com/office/powerpoint/2010/main" val="3022177724"/>
+      </p:ext>
+    </p:extLst>
+  </p:cSld>
+  <p:clrMapOvr>
+    <a:masterClrMapping/>
+  </p:clrMapOvr>
+</p:sld>
+</file>
+
+<file path=ppt/slides/slide15.xml><?xml version="1.0" encoding="utf-8"?>
+<p:sld xmlns:a="http://schemas.openxmlformats.org/drawingml/2006/main" xmlns:r="http://schemas.openxmlformats.org/officeDocument/2006/relationships" xmlns:p="http://schemas.openxmlformats.org/presentationml/2006/main">
+  <p:cSld>
+    <p:spTree>
+      <p:nvGrpSpPr>
+        <p:cNvPr id="1" name=""/>
+        <p:cNvGrpSpPr/>
+        <p:nvPr/>
+      </p:nvGrpSpPr>
+      <p:grpSpPr>
+        <a:xfrm>
+          <a:off x="0" y="0"/>
+          <a:ext cx="0" cy="0"/>
+          <a:chOff x="0" y="0"/>
+          <a:chExt cx="0" cy="0"/>
+        </a:xfrm>
+      </p:grpSpPr>
+      <p:sp>
+        <p:nvSpPr>
+          <p:cNvPr id="2" name="Title 1">
+            <a:extLst>
+              <a:ext uri="{FF2B5EF4-FFF2-40B4-BE49-F238E27FC236}">
+                <a16:creationId xmlns:a16="http://schemas.microsoft.com/office/drawing/2014/main" id="{D3C4D976-477A-494F-AC9D-16F55D7F3D11}"/>
+              </a:ext>
+            </a:extLst>
+          </p:cNvPr>
+          <p:cNvSpPr>
+            <a:spLocks noGrp="1"/>
+          </p:cNvSpPr>
+          <p:nvPr>
+            <p:ph type="title"/>
+          </p:nvPr>
+        </p:nvSpPr>
+        <p:spPr>
+          <a:xfrm>
+            <a:off x="323613" y="211363"/>
+            <a:ext cx="10058400" cy="1609344"/>
+          </a:xfrm>
+        </p:spPr>
+        <p:txBody>
+          <a:bodyPr/>
+          <a:lstStyle/>
+          <a:p>
+            <a:r>
+              <a:rPr lang="en-US" dirty="0"/>
+              <a:t>4 star</a:t>
+            </a:r>
+          </a:p>
+        </p:txBody>
+      </p:sp>
+      <p:pic>
+        <p:nvPicPr>
+          <p:cNvPr id="6" name="Content Placeholder 5" descr="Text&#10;&#10;Description automatically generated">
+            <a:extLst>
+              <a:ext uri="{FF2B5EF4-FFF2-40B4-BE49-F238E27FC236}">
+                <a16:creationId xmlns:a16="http://schemas.microsoft.com/office/drawing/2014/main" id="{601BEE2D-1620-8D40-AD12-3F03AC8267AE}"/>
+              </a:ext>
+            </a:extLst>
+          </p:cNvPr>
+          <p:cNvPicPr>
+            <a:picLocks noGrp="1" noChangeAspect="1"/>
+          </p:cNvPicPr>
+          <p:nvPr>
+            <p:ph idx="1"/>
+          </p:nvPr>
+        </p:nvPicPr>
+        <p:blipFill>
+          <a:blip r:embed="rId2">
+            <a:extLst>
+              <a:ext uri="{28A0092B-C50C-407E-A947-70E740481C1C}">
+                <a14:useLocalDpi xmlns:a14="http://schemas.microsoft.com/office/drawing/2010/main" val="0"/>
+              </a:ext>
+            </a:extLst>
+          </a:blip>
+          <a:stretch>
+            <a:fillRect/>
+          </a:stretch>
+        </p:blipFill>
+        <p:spPr>
+          <a:xfrm>
+            <a:off x="3403511" y="16690"/>
+            <a:ext cx="6978501" cy="6841310"/>
+          </a:xfrm>
+        </p:spPr>
+      </p:pic>
+    </p:spTree>
+    <p:extLst>
+      <p:ext uri="{BB962C8B-B14F-4D97-AF65-F5344CB8AC3E}">
+        <p14:creationId xmlns:p14="http://schemas.microsoft.com/office/powerpoint/2010/main" val="1585912854"/>
+      </p:ext>
+    </p:extLst>
+  </p:cSld>
+  <p:clrMapOvr>
+    <a:masterClrMapping/>
+  </p:clrMapOvr>
+</p:sld>
+</file>
+
+<file path=ppt/slides/slide16.xml><?xml version="1.0" encoding="utf-8"?>
+<p:sld xmlns:a="http://schemas.openxmlformats.org/drawingml/2006/main" xmlns:r="http://schemas.openxmlformats.org/officeDocument/2006/relationships" xmlns:p="http://schemas.openxmlformats.org/presentationml/2006/main">
+  <p:cSld>
+    <p:spTree>
+      <p:nvGrpSpPr>
+        <p:cNvPr id="1" name=""/>
+        <p:cNvGrpSpPr/>
+        <p:nvPr/>
+      </p:nvGrpSpPr>
+      <p:grpSpPr>
+        <a:xfrm>
+          <a:off x="0" y="0"/>
+          <a:ext cx="0" cy="0"/>
+          <a:chOff x="0" y="0"/>
+          <a:chExt cx="0" cy="0"/>
+        </a:xfrm>
+      </p:grpSpPr>
+      <p:sp>
+        <p:nvSpPr>
+          <p:cNvPr id="2" name="Title 1">
+            <a:extLst>
+              <a:ext uri="{FF2B5EF4-FFF2-40B4-BE49-F238E27FC236}">
+                <a16:creationId xmlns:a16="http://schemas.microsoft.com/office/drawing/2014/main" id="{D3C4D976-477A-494F-AC9D-16F55D7F3D11}"/>
+              </a:ext>
+            </a:extLst>
+          </p:cNvPr>
+          <p:cNvSpPr>
+            <a:spLocks noGrp="1"/>
+          </p:cNvSpPr>
+          <p:nvPr>
+            <p:ph type="title"/>
+          </p:nvPr>
+        </p:nvSpPr>
+        <p:spPr>
+          <a:xfrm>
+            <a:off x="323613" y="211363"/>
+            <a:ext cx="10058400" cy="1609344"/>
+          </a:xfrm>
+        </p:spPr>
+        <p:txBody>
+          <a:bodyPr/>
+          <a:lstStyle/>
+          <a:p>
+            <a:r>
+              <a:rPr lang="en-US" dirty="0"/>
+              <a:t>5 star</a:t>
+            </a:r>
+          </a:p>
+        </p:txBody>
+      </p:sp>
+      <p:pic>
+        <p:nvPicPr>
+          <p:cNvPr id="4" name="Content Placeholder 3" descr="Logo&#10;&#10;Description automatically generated with low confidence">
+            <a:extLst>
+              <a:ext uri="{FF2B5EF4-FFF2-40B4-BE49-F238E27FC236}">
+                <a16:creationId xmlns:a16="http://schemas.microsoft.com/office/drawing/2014/main" id="{8EA88271-1890-8A44-BF85-46E02364E6D9}"/>
+              </a:ext>
+            </a:extLst>
+          </p:cNvPr>
+          <p:cNvPicPr>
+            <a:picLocks noGrp="1" noChangeAspect="1"/>
+          </p:cNvPicPr>
+          <p:nvPr>
+            <p:ph idx="1"/>
+          </p:nvPr>
+        </p:nvPicPr>
+        <p:blipFill>
+          <a:blip r:embed="rId2">
+            <a:extLst>
+              <a:ext uri="{28A0092B-C50C-407E-A947-70E740481C1C}">
+                <a14:useLocalDpi xmlns:a14="http://schemas.microsoft.com/office/drawing/2010/main" val="0"/>
+              </a:ext>
+            </a:extLst>
+          </a:blip>
+          <a:stretch>
+            <a:fillRect/>
+          </a:stretch>
+        </p:blipFill>
+        <p:spPr>
+          <a:xfrm>
+            <a:off x="2611060" y="431753"/>
+            <a:ext cx="9050509" cy="5994494"/>
+          </a:xfrm>
+        </p:spPr>
+      </p:pic>
+    </p:spTree>
+    <p:extLst>
+      <p:ext uri="{BB962C8B-B14F-4D97-AF65-F5344CB8AC3E}">
+        <p14:creationId xmlns:p14="http://schemas.microsoft.com/office/powerpoint/2010/main" val="3913613732"/>
+      </p:ext>
+    </p:extLst>
+  </p:cSld>
+  <p:clrMapOvr>
+    <a:masterClrMapping/>
+  </p:clrMapOvr>
+</p:sld>
+</file>
+
+<file path=ppt/slides/slide17.xml><?xml version="1.0" encoding="utf-8"?>
 <p:sld xmlns:a="http://schemas.openxmlformats.org/drawingml/2006/main" xmlns:r="http://schemas.openxmlformats.org/officeDocument/2006/relationships" xmlns:p="http://schemas.openxmlformats.org/presentationml/2006/main">
   <p:cSld>
     <p:spTree>
@@ -5724,7 +6120,117 @@
 </p:sld>
 </file>
 
-<file path=ppt/slides/slide13.xml><?xml version="1.0" encoding="utf-8"?>
+<file path=ppt/slides/slide18.xml><?xml version="1.0" encoding="utf-8"?>
+<p:sld xmlns:a="http://schemas.openxmlformats.org/drawingml/2006/main" xmlns:r="http://schemas.openxmlformats.org/officeDocument/2006/relationships" xmlns:p="http://schemas.openxmlformats.org/presentationml/2006/main">
+  <p:cSld>
+    <p:spTree>
+      <p:nvGrpSpPr>
+        <p:cNvPr id="1" name=""/>
+        <p:cNvGrpSpPr/>
+        <p:nvPr/>
+      </p:nvGrpSpPr>
+      <p:grpSpPr>
+        <a:xfrm>
+          <a:off x="0" y="0"/>
+          <a:ext cx="0" cy="0"/>
+          <a:chOff x="0" y="0"/>
+          <a:chExt cx="0" cy="0"/>
+        </a:xfrm>
+      </p:grpSpPr>
+      <p:sp>
+        <p:nvSpPr>
+          <p:cNvPr id="2" name="Title 1">
+            <a:extLst>
+              <a:ext uri="{FF2B5EF4-FFF2-40B4-BE49-F238E27FC236}">
+                <a16:creationId xmlns:a16="http://schemas.microsoft.com/office/drawing/2014/main" id="{DE315D32-79F6-1C41-AE7C-6EA5497ED31F}"/>
+              </a:ext>
+            </a:extLst>
+          </p:cNvPr>
+          <p:cNvSpPr>
+            <a:spLocks noGrp="1"/>
+          </p:cNvSpPr>
+          <p:nvPr>
+            <p:ph type="title"/>
+          </p:nvPr>
+        </p:nvSpPr>
+        <p:spPr/>
+        <p:txBody>
+          <a:bodyPr/>
+          <a:lstStyle/>
+          <a:p>
+            <a:endParaRPr lang="en-US"/>
+          </a:p>
+        </p:txBody>
+      </p:sp>
+      <p:sp>
+        <p:nvSpPr>
+          <p:cNvPr id="3" name="Content Placeholder 2">
+            <a:extLst>
+              <a:ext uri="{FF2B5EF4-FFF2-40B4-BE49-F238E27FC236}">
+                <a16:creationId xmlns:a16="http://schemas.microsoft.com/office/drawing/2014/main" id="{207B377B-44E9-2F40-9468-797DE2428D41}"/>
+              </a:ext>
+            </a:extLst>
+          </p:cNvPr>
+          <p:cNvSpPr>
+            <a:spLocks noGrp="1"/>
+          </p:cNvSpPr>
+          <p:nvPr>
+            <p:ph idx="1"/>
+          </p:nvPr>
+        </p:nvSpPr>
+        <p:spPr/>
+        <p:txBody>
+          <a:bodyPr/>
+          <a:lstStyle/>
+          <a:p>
+            <a:endParaRPr lang="en-US"/>
+          </a:p>
+        </p:txBody>
+      </p:sp>
+      <p:pic>
+        <p:nvPicPr>
+          <p:cNvPr id="4" name="Picture 3">
+            <a:extLst>
+              <a:ext uri="{FF2B5EF4-FFF2-40B4-BE49-F238E27FC236}">
+                <a16:creationId xmlns:a16="http://schemas.microsoft.com/office/drawing/2014/main" id="{C2F9888D-FCE8-E249-8DDD-E03340FB25CE}"/>
+              </a:ext>
+            </a:extLst>
+          </p:cNvPr>
+          <p:cNvPicPr>
+            <a:picLocks noChangeAspect="1"/>
+          </p:cNvPicPr>
+          <p:nvPr/>
+        </p:nvPicPr>
+        <p:blipFill>
+          <a:blip r:embed="rId2"/>
+          <a:stretch>
+            <a:fillRect/>
+          </a:stretch>
+        </p:blipFill>
+        <p:spPr>
+          <a:xfrm>
+            <a:off x="0" y="381000"/>
+            <a:ext cx="12192000" cy="6096000"/>
+          </a:xfrm>
+          <a:prstGeom prst="rect">
+            <a:avLst/>
+          </a:prstGeom>
+        </p:spPr>
+      </p:pic>
+    </p:spTree>
+    <p:extLst>
+      <p:ext uri="{BB962C8B-B14F-4D97-AF65-F5344CB8AC3E}">
+        <p14:creationId xmlns:p14="http://schemas.microsoft.com/office/powerpoint/2010/main" val="3301070012"/>
+      </p:ext>
+    </p:extLst>
+  </p:cSld>
+  <p:clrMapOvr>
+    <a:masterClrMapping/>
+  </p:clrMapOvr>
+</p:sld>
+</file>
+
+<file path=ppt/slides/slide19.xml><?xml version="1.0" encoding="utf-8"?>
 <p:sld xmlns:a="http://schemas.openxmlformats.org/drawingml/2006/main" xmlns:r="http://schemas.openxmlformats.org/officeDocument/2006/relationships" xmlns:p="http://schemas.openxmlformats.org/presentationml/2006/main">
   <p:cSld>
     <p:spTree>
@@ -5955,7 +6461,7 @@
 </p:sld>
 </file>
 
-<file path=ppt/slides/slide14.xml><?xml version="1.0" encoding="utf-8"?>
+<file path=ppt/slides/slide2.xml><?xml version="1.0" encoding="utf-8"?>
 <p:sld xmlns:a="http://schemas.openxmlformats.org/drawingml/2006/main" xmlns:r="http://schemas.openxmlformats.org/officeDocument/2006/relationships" xmlns:p="http://schemas.openxmlformats.org/presentationml/2006/main">
   <p:cSld>
     <p:spTree>
@@ -5974,10 +6480,10 @@
       </p:grpSpPr>
       <p:sp>
         <p:nvSpPr>
-          <p:cNvPr id="2" name="Title 1">
+          <p:cNvPr id="3" name="内容占位符 2">
             <a:extLst>
               <a:ext uri="{FF2B5EF4-FFF2-40B4-BE49-F238E27FC236}">
-                <a16:creationId xmlns:a16="http://schemas.microsoft.com/office/drawing/2014/main" id="{D3C4D976-477A-494F-AC9D-16F55D7F3D11}"/>
+                <a16:creationId xmlns:a16="http://schemas.microsoft.com/office/drawing/2014/main" id="{42240F26-45E1-4303-AC7C-7A54F9133F6B}"/>
               </a:ext>
             </a:extLst>
           </p:cNvPr>
@@ -5985,129 +6491,211 @@
             <a:spLocks noGrp="1"/>
           </p:cNvSpPr>
           <p:nvPr>
-            <p:ph type="title"/>
-          </p:nvPr>
-        </p:nvSpPr>
-        <p:spPr/>
-        <p:txBody>
-          <a:bodyPr/>
-          <a:lstStyle/>
-          <a:p>
-            <a:endParaRPr lang="en-US"/>
-          </a:p>
-        </p:txBody>
-      </p:sp>
-      <p:pic>
-        <p:nvPicPr>
-          <p:cNvPr id="6" name="Content Placeholder 5" descr="A picture containing map&#10;&#10;Description automatically generated">
-            <a:extLst>
-              <a:ext uri="{FF2B5EF4-FFF2-40B4-BE49-F238E27FC236}">
-                <a16:creationId xmlns:a16="http://schemas.microsoft.com/office/drawing/2014/main" id="{44D813F6-93D4-964E-A985-C339A90B3CD3}"/>
-              </a:ext>
-            </a:extLst>
-          </p:cNvPr>
-          <p:cNvPicPr>
-            <a:picLocks noGrp="1" noChangeAspect="1"/>
-          </p:cNvPicPr>
-          <p:nvPr>
             <p:ph idx="1"/>
           </p:nvPr>
-        </p:nvPicPr>
-        <p:blipFill>
-          <a:blip r:embed="rId2">
-            <a:extLst>
-              <a:ext uri="{28A0092B-C50C-407E-A947-70E740481C1C}">
-                <a14:useLocalDpi xmlns:a14="http://schemas.microsoft.com/office/drawing/2010/main" val="0"/>
-              </a:ext>
-            </a:extLst>
-          </a:blip>
-          <a:stretch>
-            <a:fillRect/>
-          </a:stretch>
-        </p:blipFill>
+        </p:nvSpPr>
         <p:spPr>
           <a:xfrm>
-            <a:off x="4575338" y="973776"/>
-            <a:ext cx="3099237" cy="5496865"/>
+            <a:off x="1063752" y="818336"/>
+            <a:ext cx="9821962" cy="5266778"/>
           </a:xfrm>
         </p:spPr>
-      </p:pic>
-      <p:pic>
-        <p:nvPicPr>
-          <p:cNvPr id="4" name="Picture 3" descr="Text, whiteboard&#10;&#10;Description automatically generated">
-            <a:extLst>
-              <a:ext uri="{FF2B5EF4-FFF2-40B4-BE49-F238E27FC236}">
-                <a16:creationId xmlns:a16="http://schemas.microsoft.com/office/drawing/2014/main" id="{14C27E98-D483-2449-84B2-C332CFE77715}"/>
-              </a:ext>
-            </a:extLst>
-          </p:cNvPr>
-          <p:cNvPicPr>
-            <a:picLocks noChangeAspect="1"/>
-          </p:cNvPicPr>
-          <p:nvPr/>
-        </p:nvPicPr>
-        <p:blipFill>
-          <a:blip r:embed="rId3">
-            <a:extLst>
-              <a:ext uri="{28A0092B-C50C-407E-A947-70E740481C1C}">
-                <a14:useLocalDpi xmlns:a14="http://schemas.microsoft.com/office/drawing/2010/main" val="0"/>
-              </a:ext>
-            </a:extLst>
-          </a:blip>
-          <a:stretch>
-            <a:fillRect/>
-          </a:stretch>
-        </p:blipFill>
-        <p:spPr>
-          <a:xfrm>
-            <a:off x="-31022" y="973776"/>
-            <a:ext cx="4548449" cy="5124202"/>
-          </a:xfrm>
-          <a:prstGeom prst="rect">
-            <a:avLst/>
-          </a:prstGeom>
-        </p:spPr>
-      </p:pic>
-      <p:pic>
-        <p:nvPicPr>
-          <p:cNvPr id="8" name="Picture 7" descr="Text&#10;&#10;Description automatically generated">
-            <a:extLst>
-              <a:ext uri="{FF2B5EF4-FFF2-40B4-BE49-F238E27FC236}">
-                <a16:creationId xmlns:a16="http://schemas.microsoft.com/office/drawing/2014/main" id="{E7050BE1-4C2E-A444-A1AE-D72DC72D68A1}"/>
-              </a:ext>
-            </a:extLst>
-          </p:cNvPr>
-          <p:cNvPicPr>
-            <a:picLocks noChangeAspect="1"/>
-          </p:cNvPicPr>
-          <p:nvPr/>
-        </p:nvPicPr>
-        <p:blipFill>
-          <a:blip r:embed="rId4">
-            <a:extLst>
-              <a:ext uri="{28A0092B-C50C-407E-A947-70E740481C1C}">
-                <a14:useLocalDpi xmlns:a14="http://schemas.microsoft.com/office/drawing/2010/main" val="0"/>
-              </a:ext>
-            </a:extLst>
-          </a:blip>
-          <a:stretch>
-            <a:fillRect/>
-          </a:stretch>
-        </p:blipFill>
-        <p:spPr>
-          <a:xfrm>
-            <a:off x="7717273" y="680568"/>
-            <a:ext cx="4446595" cy="6088094"/>
-          </a:xfrm>
-          <a:prstGeom prst="rect">
-            <a:avLst/>
-          </a:prstGeom>
-        </p:spPr>
-      </p:pic>
+        <p:txBody>
+          <a:bodyPr>
+            <a:normAutofit fontScale="92500" lnSpcReduction="10000"/>
+          </a:bodyPr>
+          <a:lstStyle/>
+          <a:p>
+            <a:endParaRPr lang="en-US" altLang="zh-CN" sz="2800" dirty="0"/>
+          </a:p>
+          <a:p>
+            <a:pPr marL="0" indent="0">
+              <a:buNone/>
+            </a:pPr>
+            <a:r>
+              <a:rPr lang="en-US" altLang="zh-CN" sz="2800" b="1" dirty="0"/>
+              <a:t>Raw data</a:t>
+            </a:r>
+          </a:p>
+          <a:p>
+            <a:r>
+              <a:rPr lang="en-US" altLang="zh-CN" sz="2800" dirty="0"/>
+              <a:t>More than 8 millions of review data</a:t>
+            </a:r>
+          </a:p>
+          <a:p>
+            <a:r>
+              <a:rPr lang="en-US" altLang="zh-CN" sz="2800" dirty="0"/>
+              <a:t>More than 50 thousands of business data</a:t>
+            </a:r>
+          </a:p>
+          <a:p>
+            <a:pPr marL="0" indent="0">
+              <a:buNone/>
+            </a:pPr>
+            <a:endParaRPr lang="en-US" altLang="zh-CN" sz="2800" dirty="0"/>
+          </a:p>
+          <a:p>
+            <a:pPr marL="0" indent="0">
+              <a:buNone/>
+            </a:pPr>
+            <a:endParaRPr lang="en-US" altLang="zh-CN" sz="2800" dirty="0"/>
+          </a:p>
+          <a:p>
+            <a:pPr marL="0" indent="0">
+              <a:buNone/>
+            </a:pPr>
+            <a:r>
+              <a:rPr lang="en-US" altLang="zh-CN" sz="2800" b="1" dirty="0"/>
+              <a:t>Our goal</a:t>
+            </a:r>
+          </a:p>
+          <a:p>
+            <a:r>
+              <a:rPr lang="en-US" altLang="zh-CN" sz="2800" dirty="0"/>
+              <a:t>Analyze how customers judge a</a:t>
+            </a:r>
+            <a:r>
+              <a:rPr lang="zh-CN" altLang="en-US" sz="2800" dirty="0"/>
+              <a:t> </a:t>
+            </a:r>
+            <a:r>
+              <a:rPr lang="en-US" altLang="zh-CN" sz="2800" dirty="0"/>
+              <a:t>sandwich restaurant</a:t>
+            </a:r>
+          </a:p>
+          <a:p>
+            <a:r>
+              <a:rPr lang="en-US" altLang="zh-CN" sz="2800" dirty="0"/>
+              <a:t>What are the essential qualities of a good sandwich shop</a:t>
+            </a:r>
+          </a:p>
+          <a:p>
+            <a:r>
+              <a:rPr lang="en-US" altLang="zh-CN" sz="2800" dirty="0"/>
+              <a:t>The</a:t>
+            </a:r>
+            <a:r>
+              <a:rPr lang="zh-CN" altLang="en-US" sz="2800" dirty="0"/>
+              <a:t> </a:t>
+            </a:r>
+            <a:r>
+              <a:rPr lang="en-US" altLang="zh-CN" sz="2800" dirty="0"/>
+              <a:t>difference</a:t>
+            </a:r>
+            <a:r>
+              <a:rPr lang="zh-CN" altLang="en-US" sz="2800" dirty="0"/>
+              <a:t> </a:t>
+            </a:r>
+            <a:r>
+              <a:rPr lang="en-US" altLang="zh-CN" sz="2800" dirty="0"/>
+              <a:t>between</a:t>
+            </a:r>
+            <a:r>
+              <a:rPr lang="zh-CN" altLang="en-US" sz="2800" dirty="0"/>
+              <a:t> </a:t>
+            </a:r>
+            <a:r>
+              <a:rPr lang="en-US" altLang="zh-CN" sz="2800" dirty="0"/>
+              <a:t>topics</a:t>
+            </a:r>
+            <a:r>
+              <a:rPr lang="zh-CN" altLang="en-US" sz="2800" dirty="0"/>
+              <a:t> </a:t>
+            </a:r>
+            <a:r>
+              <a:rPr lang="en-US" altLang="zh-CN" sz="2800" dirty="0"/>
+              <a:t>of</a:t>
+            </a:r>
+            <a:r>
+              <a:rPr lang="zh-CN" altLang="en-US" sz="2800" dirty="0"/>
+              <a:t> </a:t>
+            </a:r>
+            <a:r>
+              <a:rPr lang="en-US" altLang="zh-CN" sz="2800" dirty="0"/>
+              <a:t>reviews</a:t>
+            </a:r>
+            <a:r>
+              <a:rPr lang="zh-CN" altLang="en-US" sz="2800" dirty="0"/>
+              <a:t> </a:t>
+            </a:r>
+            <a:r>
+              <a:rPr lang="en-US" altLang="zh-CN" sz="2800" dirty="0"/>
+              <a:t>belonging</a:t>
+            </a:r>
+            <a:r>
+              <a:rPr lang="zh-CN" altLang="en-US" sz="2800" dirty="0"/>
+              <a:t> </a:t>
+            </a:r>
+            <a:r>
+              <a:rPr lang="en-US" altLang="zh-CN" sz="2800" dirty="0"/>
+              <a:t>to</a:t>
+            </a:r>
+            <a:r>
+              <a:rPr lang="zh-CN" altLang="en-US" sz="2800" dirty="0"/>
+              <a:t> </a:t>
+            </a:r>
+            <a:endParaRPr lang="en-US" altLang="zh-CN" sz="2800" dirty="0"/>
+          </a:p>
+          <a:p>
+            <a:pPr marL="0" indent="0">
+              <a:buNone/>
+            </a:pPr>
+            <a:r>
+              <a:rPr lang="en-US" altLang="zh-CN" sz="2800" dirty="0"/>
+              <a:t>high-star</a:t>
+            </a:r>
+            <a:r>
+              <a:rPr lang="zh-CN" altLang="en-US" sz="2800" dirty="0"/>
+              <a:t> </a:t>
+            </a:r>
+            <a:r>
+              <a:rPr lang="en-US" altLang="zh-CN" sz="2800" dirty="0"/>
+              <a:t>restaurants</a:t>
+            </a:r>
+            <a:r>
+              <a:rPr lang="zh-CN" altLang="en-US" sz="2800" dirty="0"/>
+              <a:t> </a:t>
+            </a:r>
+            <a:r>
+              <a:rPr lang="en-US" altLang="zh-CN" sz="2800" dirty="0"/>
+              <a:t>and</a:t>
+            </a:r>
+            <a:r>
+              <a:rPr lang="zh-CN" altLang="en-US" sz="2800" dirty="0"/>
+              <a:t> </a:t>
+            </a:r>
+            <a:r>
+              <a:rPr lang="en-US" altLang="zh-CN" sz="2800" dirty="0"/>
+              <a:t>low-star</a:t>
+            </a:r>
+            <a:r>
+              <a:rPr lang="zh-CN" altLang="en-US" sz="2800" dirty="0"/>
+              <a:t> </a:t>
+            </a:r>
+            <a:r>
+              <a:rPr lang="en-US" altLang="zh-CN" sz="2800" dirty="0"/>
+              <a:t>ones</a:t>
+            </a:r>
+          </a:p>
+          <a:p>
+            <a:pPr marL="0" indent="0">
+              <a:buNone/>
+            </a:pPr>
+            <a:endParaRPr lang="en-US" altLang="zh-CN" sz="2800" dirty="0"/>
+          </a:p>
+          <a:p>
+            <a:pPr marL="0" indent="0">
+              <a:buNone/>
+            </a:pPr>
+            <a:endParaRPr lang="zh-CN" altLang="en-US" sz="2800" dirty="0"/>
+          </a:p>
+        </p:txBody>
+      </p:sp>
     </p:spTree>
     <p:extLst>
       <p:ext uri="{BB962C8B-B14F-4D97-AF65-F5344CB8AC3E}">
-        <p14:creationId xmlns:p14="http://schemas.microsoft.com/office/powerpoint/2010/main" val="1594899385"/>
+        <p14:creationId xmlns:p14="http://schemas.microsoft.com/office/powerpoint/2010/main" val="1091076261"/>
       </p:ext>
     </p:extLst>
   </p:cSld>
@@ -6117,133 +6705,7 @@
 </p:sld>
 </file>
 
-<file path=ppt/slides/slide15.xml><?xml version="1.0" encoding="utf-8"?>
-<p:sld xmlns:a="http://schemas.openxmlformats.org/drawingml/2006/main" xmlns:r="http://schemas.openxmlformats.org/officeDocument/2006/relationships" xmlns:p="http://schemas.openxmlformats.org/presentationml/2006/main">
-  <p:cSld>
-    <p:spTree>
-      <p:nvGrpSpPr>
-        <p:cNvPr id="1" name=""/>
-        <p:cNvGrpSpPr/>
-        <p:nvPr/>
-      </p:nvGrpSpPr>
-      <p:grpSpPr>
-        <a:xfrm>
-          <a:off x="0" y="0"/>
-          <a:ext cx="0" cy="0"/>
-          <a:chOff x="0" y="0"/>
-          <a:chExt cx="0" cy="0"/>
-        </a:xfrm>
-      </p:grpSpPr>
-      <p:sp>
-        <p:nvSpPr>
-          <p:cNvPr id="2" name="Title 1">
-            <a:extLst>
-              <a:ext uri="{FF2B5EF4-FFF2-40B4-BE49-F238E27FC236}">
-                <a16:creationId xmlns:a16="http://schemas.microsoft.com/office/drawing/2014/main" id="{D3C4D976-477A-494F-AC9D-16F55D7F3D11}"/>
-              </a:ext>
-            </a:extLst>
-          </p:cNvPr>
-          <p:cNvSpPr>
-            <a:spLocks noGrp="1"/>
-          </p:cNvSpPr>
-          <p:nvPr>
-            <p:ph type="title"/>
-          </p:nvPr>
-        </p:nvSpPr>
-        <p:spPr/>
-        <p:txBody>
-          <a:bodyPr/>
-          <a:lstStyle/>
-          <a:p>
-            <a:endParaRPr lang="en-US"/>
-          </a:p>
-        </p:txBody>
-      </p:sp>
-      <p:pic>
-        <p:nvPicPr>
-          <p:cNvPr id="5" name="Content Placeholder 4" descr="Text&#10;&#10;Description automatically generated">
-            <a:extLst>
-              <a:ext uri="{FF2B5EF4-FFF2-40B4-BE49-F238E27FC236}">
-                <a16:creationId xmlns:a16="http://schemas.microsoft.com/office/drawing/2014/main" id="{65267048-066E-654F-9195-639D01DF7091}"/>
-              </a:ext>
-            </a:extLst>
-          </p:cNvPr>
-          <p:cNvPicPr>
-            <a:picLocks noGrp="1" noChangeAspect="1"/>
-          </p:cNvPicPr>
-          <p:nvPr>
-            <p:ph idx="1"/>
-          </p:nvPr>
-        </p:nvPicPr>
-        <p:blipFill>
-          <a:blip r:embed="rId2">
-            <a:extLst>
-              <a:ext uri="{28A0092B-C50C-407E-A947-70E740481C1C}">
-                <a14:useLocalDpi xmlns:a14="http://schemas.microsoft.com/office/drawing/2010/main" val="0"/>
-              </a:ext>
-            </a:extLst>
-          </a:blip>
-          <a:stretch>
-            <a:fillRect/>
-          </a:stretch>
-        </p:blipFill>
-        <p:spPr>
-          <a:xfrm>
-            <a:off x="0" y="1557060"/>
-            <a:ext cx="4132542" cy="4051300"/>
-          </a:xfrm>
-        </p:spPr>
-      </p:pic>
-      <p:pic>
-        <p:nvPicPr>
-          <p:cNvPr id="7" name="Picture 6" descr="Logo&#10;&#10;Description automatically generated with low confidence">
-            <a:extLst>
-              <a:ext uri="{FF2B5EF4-FFF2-40B4-BE49-F238E27FC236}">
-                <a16:creationId xmlns:a16="http://schemas.microsoft.com/office/drawing/2014/main" id="{8D06CBB3-CE88-804C-949F-67C2502B3277}"/>
-              </a:ext>
-            </a:extLst>
-          </p:cNvPr>
-          <p:cNvPicPr>
-            <a:picLocks noChangeAspect="1"/>
-          </p:cNvPicPr>
-          <p:nvPr/>
-        </p:nvPicPr>
-        <p:blipFill>
-          <a:blip r:embed="rId3">
-            <a:extLst>
-              <a:ext uri="{28A0092B-C50C-407E-A947-70E740481C1C}">
-                <a14:useLocalDpi xmlns:a14="http://schemas.microsoft.com/office/drawing/2010/main" val="0"/>
-              </a:ext>
-            </a:extLst>
-          </a:blip>
-          <a:stretch>
-            <a:fillRect/>
-          </a:stretch>
-        </p:blipFill>
-        <p:spPr>
-          <a:xfrm>
-            <a:off x="4204448" y="1557060"/>
-            <a:ext cx="7987552" cy="5290457"/>
-          </a:xfrm>
-          <a:prstGeom prst="rect">
-            <a:avLst/>
-          </a:prstGeom>
-        </p:spPr>
-      </p:pic>
-    </p:spTree>
-    <p:extLst>
-      <p:ext uri="{BB962C8B-B14F-4D97-AF65-F5344CB8AC3E}">
-        <p14:creationId xmlns:p14="http://schemas.microsoft.com/office/powerpoint/2010/main" val="3492775583"/>
-      </p:ext>
-    </p:extLst>
-  </p:cSld>
-  <p:clrMapOvr>
-    <a:masterClrMapping/>
-  </p:clrMapOvr>
-</p:sld>
-</file>
-
-<file path=ppt/slides/slide16.xml><?xml version="1.0" encoding="utf-8"?>
+<file path=ppt/slides/slide20.xml><?xml version="1.0" encoding="utf-8"?>
 <p:sld xmlns:a="http://schemas.openxmlformats.org/drawingml/2006/main" xmlns:r="http://schemas.openxmlformats.org/officeDocument/2006/relationships" xmlns:p="http://schemas.openxmlformats.org/presentationml/2006/main">
   <p:cSld>
     <p:bg>
@@ -6368,7 +6830,7 @@
         </p:nvSpPr>
         <p:spPr>
           <a:xfrm>
-            <a:off x="8156350" y="484631"/>
+            <a:off x="7912246" y="2277119"/>
             <a:ext cx="4203816" cy="1869685"/>
           </a:xfrm>
           <a:ln>
@@ -6427,38 +6889,6 @@
           </a:prstGeom>
         </p:spPr>
       </p:pic>
-      <p:sp>
-        <p:nvSpPr>
-          <p:cNvPr id="3" name="Content Placeholder 2">
-            <a:extLst>
-              <a:ext uri="{FF2B5EF4-FFF2-40B4-BE49-F238E27FC236}">
-                <a16:creationId xmlns:a16="http://schemas.microsoft.com/office/drawing/2014/main" id="{846E9D91-B0C4-3E41-BEF6-07F6BBFAD97D}"/>
-              </a:ext>
-            </a:extLst>
-          </p:cNvPr>
-          <p:cNvSpPr>
-            <a:spLocks noGrp="1"/>
-          </p:cNvSpPr>
-          <p:nvPr>
-            <p:ph idx="1"/>
-          </p:nvPr>
-        </p:nvSpPr>
-        <p:spPr>
-          <a:xfrm>
-            <a:off x="8156351" y="2121408"/>
-            <a:ext cx="3544034" cy="4050792"/>
-          </a:xfrm>
-        </p:spPr>
-        <p:txBody>
-          <a:bodyPr>
-            <a:normAutofit/>
-          </a:bodyPr>
-          <a:lstStyle/>
-          <a:p>
-            <a:endParaRPr lang="en-US" sz="1600"/>
-          </a:p>
-        </p:txBody>
-      </p:sp>
       <p:grpSp>
         <p:nvGrpSpPr>
           <p:cNvPr id="12" name="Group 11">
@@ -6666,161 +7096,6 @@
 </p:sld>
 </file>
 
-<file path=ppt/slides/slide2.xml><?xml version="1.0" encoding="utf-8"?>
-<p:sld xmlns:a="http://schemas.openxmlformats.org/drawingml/2006/main" xmlns:r="http://schemas.openxmlformats.org/officeDocument/2006/relationships" xmlns:p="http://schemas.openxmlformats.org/presentationml/2006/main">
-  <p:cSld>
-    <p:spTree>
-      <p:nvGrpSpPr>
-        <p:cNvPr id="1" name=""/>
-        <p:cNvGrpSpPr/>
-        <p:nvPr/>
-      </p:nvGrpSpPr>
-      <p:grpSpPr>
-        <a:xfrm>
-          <a:off x="0" y="0"/>
-          <a:ext cx="0" cy="0"/>
-          <a:chOff x="0" y="0"/>
-          <a:chExt cx="0" cy="0"/>
-        </a:xfrm>
-      </p:grpSpPr>
-      <p:sp>
-        <p:nvSpPr>
-          <p:cNvPr id="2" name="标题 1">
-            <a:extLst>
-              <a:ext uri="{FF2B5EF4-FFF2-40B4-BE49-F238E27FC236}">
-                <a16:creationId xmlns:a16="http://schemas.microsoft.com/office/drawing/2014/main" id="{4055819A-DDB3-4A4B-84D8-FBAC69DAE5AE}"/>
-              </a:ext>
-            </a:extLst>
-          </p:cNvPr>
-          <p:cNvSpPr>
-            <a:spLocks noGrp="1"/>
-          </p:cNvSpPr>
-          <p:nvPr>
-            <p:ph type="title"/>
-          </p:nvPr>
-        </p:nvSpPr>
-        <p:spPr/>
-        <p:txBody>
-          <a:bodyPr/>
-          <a:lstStyle/>
-          <a:p>
-            <a:endParaRPr lang="zh-CN" altLang="en-US"/>
-          </a:p>
-        </p:txBody>
-      </p:sp>
-      <p:sp>
-        <p:nvSpPr>
-          <p:cNvPr id="3" name="内容占位符 2">
-            <a:extLst>
-              <a:ext uri="{FF2B5EF4-FFF2-40B4-BE49-F238E27FC236}">
-                <a16:creationId xmlns:a16="http://schemas.microsoft.com/office/drawing/2014/main" id="{42240F26-45E1-4303-AC7C-7A54F9133F6B}"/>
-              </a:ext>
-            </a:extLst>
-          </p:cNvPr>
-          <p:cNvSpPr>
-            <a:spLocks noGrp="1"/>
-          </p:cNvSpPr>
-          <p:nvPr>
-            <p:ph idx="1"/>
-          </p:nvPr>
-        </p:nvSpPr>
-        <p:spPr/>
-        <p:txBody>
-          <a:bodyPr>
-            <a:normAutofit/>
-          </a:bodyPr>
-          <a:lstStyle/>
-          <a:p>
-            <a:endParaRPr lang="en-US" altLang="zh-CN" dirty="0"/>
-          </a:p>
-          <a:p>
-            <a:r>
-              <a:rPr lang="en-US" altLang="zh-CN" b="1" dirty="0"/>
-              <a:t>Raw data</a:t>
-            </a:r>
-          </a:p>
-          <a:p>
-            <a:pPr marL="0" indent="0">
-              <a:buNone/>
-            </a:pPr>
-            <a:r>
-              <a:rPr lang="en-US" altLang="zh-CN" dirty="0"/>
-              <a:t>More than 8 millions of review data</a:t>
-            </a:r>
-          </a:p>
-          <a:p>
-            <a:pPr marL="0" indent="0">
-              <a:buNone/>
-            </a:pPr>
-            <a:r>
-              <a:rPr lang="en-US" altLang="zh-CN" dirty="0"/>
-              <a:t>More than 50 thousands of business data</a:t>
-            </a:r>
-          </a:p>
-          <a:p>
-            <a:pPr marL="0" indent="0">
-              <a:buNone/>
-            </a:pPr>
-            <a:endParaRPr lang="en-US" altLang="zh-CN" dirty="0"/>
-          </a:p>
-          <a:p>
-            <a:r>
-              <a:rPr lang="en-US" altLang="zh-CN" b="1" dirty="0"/>
-              <a:t>Our goal</a:t>
-            </a:r>
-          </a:p>
-          <a:p>
-            <a:pPr marL="0" indent="0">
-              <a:buNone/>
-            </a:pPr>
-            <a:r>
-              <a:rPr lang="en-US" altLang="zh-CN" dirty="0"/>
-              <a:t>To</a:t>
-            </a:r>
-            <a:r>
-              <a:rPr lang="zh-CN" altLang="en-US" dirty="0"/>
-              <a:t> </a:t>
-            </a:r>
-            <a:r>
-              <a:rPr lang="en-US" altLang="zh-CN" dirty="0"/>
-              <a:t>analyze how customers judge a</a:t>
-            </a:r>
-            <a:r>
-              <a:rPr lang="zh-CN" altLang="en-US" dirty="0"/>
-              <a:t> </a:t>
-            </a:r>
-            <a:r>
-              <a:rPr lang="en-US" altLang="zh-CN" dirty="0"/>
-              <a:t>sandwich restaurant. And What are the essential qualities of a good sandwich shop</a:t>
-            </a:r>
-          </a:p>
-          <a:p>
-            <a:pPr marL="0" indent="0">
-              <a:buNone/>
-            </a:pPr>
-            <a:endParaRPr lang="en-US" altLang="zh-CN" dirty="0"/>
-          </a:p>
-          <a:p>
-            <a:pPr marL="0" indent="0">
-              <a:buNone/>
-            </a:pPr>
-            <a:endParaRPr lang="zh-CN" altLang="en-US" dirty="0"/>
-          </a:p>
-        </p:txBody>
-      </p:sp>
-    </p:spTree>
-    <p:extLst>
-      <p:ext uri="{BB962C8B-B14F-4D97-AF65-F5344CB8AC3E}">
-        <p14:creationId xmlns:p14="http://schemas.microsoft.com/office/powerpoint/2010/main" val="1091076261"/>
-      </p:ext>
-    </p:extLst>
-  </p:cSld>
-  <p:clrMapOvr>
-    <a:masterClrMapping/>
-  </p:clrMapOvr>
-</p:sld>
-</file>
-
 <file path=ppt/slides/slide3.xml><?xml version="1.0" encoding="utf-8"?>
 <p:sld xmlns:a="http://schemas.openxmlformats.org/drawingml/2006/main" xmlns:r="http://schemas.openxmlformats.org/officeDocument/2006/relationships" xmlns:p="http://schemas.openxmlformats.org/presentationml/2006/main">
   <p:cSld>
@@ -6840,31 +7115,6 @@
       </p:grpSpPr>
       <p:sp>
         <p:nvSpPr>
-          <p:cNvPr id="2" name="标题 1">
-            <a:extLst>
-              <a:ext uri="{FF2B5EF4-FFF2-40B4-BE49-F238E27FC236}">
-                <a16:creationId xmlns:a16="http://schemas.microsoft.com/office/drawing/2014/main" id="{FEFE5F7C-C77A-4D1E-9D48-E271686DB4A9}"/>
-              </a:ext>
-            </a:extLst>
-          </p:cNvPr>
-          <p:cNvSpPr>
-            <a:spLocks noGrp="1"/>
-          </p:cNvSpPr>
-          <p:nvPr>
-            <p:ph type="title"/>
-          </p:nvPr>
-        </p:nvSpPr>
-        <p:spPr/>
-        <p:txBody>
-          <a:bodyPr/>
-          <a:lstStyle/>
-          <a:p>
-            <a:endParaRPr lang="zh-CN" altLang="en-US"/>
-          </a:p>
-        </p:txBody>
-      </p:sp>
-      <p:sp>
-        <p:nvSpPr>
           <p:cNvPr id="3" name="内容占位符 2">
             <a:extLst>
               <a:ext uri="{FF2B5EF4-FFF2-40B4-BE49-F238E27FC236}">
@@ -6879,13 +7129,20 @@
             <p:ph idx="1"/>
           </p:nvPr>
         </p:nvSpPr>
-        <p:spPr/>
-        <p:txBody>
-          <a:bodyPr/>
+        <p:spPr>
+          <a:xfrm>
+            <a:off x="1066800" y="1289304"/>
+            <a:ext cx="10058400" cy="4050792"/>
+          </a:xfrm>
+        </p:spPr>
+        <p:txBody>
+          <a:bodyPr>
+            <a:normAutofit/>
+          </a:bodyPr>
           <a:lstStyle/>
           <a:p>
             <a:r>
-              <a:rPr lang="en-US" altLang="zh-CN" b="1" dirty="0"/>
+              <a:rPr lang="en-US" altLang="zh-CN" sz="2800" b="1" dirty="0"/>
               <a:t>Data clean process</a:t>
             </a:r>
           </a:p>
@@ -6894,7 +7151,7 @@
               <a:buNone/>
             </a:pPr>
             <a:r>
-              <a:rPr lang="en-US" altLang="zh-CN" dirty="0"/>
+              <a:rPr lang="en-US" altLang="zh-CN" sz="2800" dirty="0"/>
               <a:t>1. Filtering all restaurants which categories include sandwich.</a:t>
             </a:r>
           </a:p>
@@ -6903,7 +7160,7 @@
               <a:buNone/>
             </a:pPr>
             <a:r>
-              <a:rPr lang="en-US" altLang="zh-CN" dirty="0"/>
+              <a:rPr lang="en-US" altLang="zh-CN" sz="2800" dirty="0"/>
               <a:t>2. Filtering out the review data of the sandwich restaurants.</a:t>
             </a:r>
           </a:p>
@@ -6912,19 +7169,19 @@
               <a:buNone/>
             </a:pPr>
             <a:r>
-              <a:rPr lang="en-US" altLang="zh-CN" dirty="0"/>
-              <a:t>3. Join these two parts of data and do further analysis.</a:t>
+              <a:rPr lang="en-US" altLang="zh-CN" sz="2800" dirty="0"/>
+              <a:t>3. Join these two parts of data and conduct further analysis.</a:t>
             </a:r>
           </a:p>
           <a:p>
             <a:pPr marL="0" indent="0">
               <a:buNone/>
             </a:pPr>
-            <a:endParaRPr lang="en-US" altLang="zh-CN" dirty="0"/>
-          </a:p>
-          <a:p>
-            <a:r>
-              <a:rPr lang="en-US" altLang="zh-CN" b="1" dirty="0"/>
+            <a:endParaRPr lang="en-US" altLang="zh-CN" sz="2800" dirty="0"/>
+          </a:p>
+          <a:p>
+            <a:r>
+              <a:rPr lang="en-US" altLang="zh-CN" sz="2800" b="1" dirty="0"/>
               <a:t>Result</a:t>
             </a:r>
           </a:p>
@@ -6933,7 +7190,7 @@
               <a:buNone/>
             </a:pPr>
             <a:r>
-              <a:rPr lang="en-US" altLang="zh-CN" dirty="0"/>
+              <a:rPr lang="en-US" altLang="zh-CN" sz="2800" dirty="0"/>
               <a:t>4795 business &amp; approximately 1 million reviews</a:t>
             </a:r>
           </a:p>
@@ -6941,7 +7198,7 @@
             <a:pPr marL="0" indent="0">
               <a:buNone/>
             </a:pPr>
-            <a:endParaRPr lang="zh-CN" altLang="en-US" dirty="0"/>
+            <a:endParaRPr lang="zh-CN" altLang="en-US" sz="2800" dirty="0"/>
           </a:p>
         </p:txBody>
       </p:sp>
@@ -6975,31 +7232,6 @@
           <a:chExt cx="0" cy="0"/>
         </a:xfrm>
       </p:grpSpPr>
-      <p:sp>
-        <p:nvSpPr>
-          <p:cNvPr id="2" name="标题 1">
-            <a:extLst>
-              <a:ext uri="{FF2B5EF4-FFF2-40B4-BE49-F238E27FC236}">
-                <a16:creationId xmlns:a16="http://schemas.microsoft.com/office/drawing/2014/main" id="{ACE5C42A-4FC0-4596-9343-9B8C08026F17}"/>
-              </a:ext>
-            </a:extLst>
-          </p:cNvPr>
-          <p:cNvSpPr>
-            <a:spLocks noGrp="1"/>
-          </p:cNvSpPr>
-          <p:nvPr>
-            <p:ph type="title"/>
-          </p:nvPr>
-        </p:nvSpPr>
-        <p:spPr/>
-        <p:txBody>
-          <a:bodyPr/>
-          <a:lstStyle/>
-          <a:p>
-            <a:endParaRPr lang="zh-CN" altLang="en-US"/>
-          </a:p>
-        </p:txBody>
-      </p:sp>
       <p:graphicFrame>
         <p:nvGraphicFramePr>
           <p:cNvPr id="5" name="表格 5">
@@ -7903,8 +8135,8 @@
         </p:nvSpPr>
         <p:spPr>
           <a:xfrm>
-            <a:off x="1066800" y="389969"/>
-            <a:ext cx="10058400" cy="6468031"/>
+            <a:off x="1066799" y="389969"/>
+            <a:ext cx="10940143" cy="6468031"/>
           </a:xfrm>
         </p:spPr>
         <p:txBody>
@@ -7914,15 +8146,76 @@
           <a:lstStyle/>
           <a:p>
             <a:r>
-              <a:rPr lang="en-US" altLang="zh-CN" dirty="0"/>
-              <a:t>Number of reviews for each restaurant</a:t>
+              <a:rPr lang="en-US" altLang="zh-CN" sz="4300" b="1" dirty="0">
+                <a:blipFill>
+                  <a:blip r:embed="rId2">
+                    <a:extLst>
+                      <a:ext uri="{28A0092B-C50C-407E-A947-70E740481C1C}">
+                        <a14:useLocalDpi xmlns:a14="http://schemas.microsoft.com/office/drawing/2010/main" val="0"/>
+                      </a:ext>
+                    </a:extLst>
+                  </a:blip>
+                  <a:tile tx="6350" ty="-127000" sx="65000" sy="64000" flip="none" algn="tl"/>
+                </a:blipFill>
+                <a:latin typeface="+mj-lt"/>
+                <a:ea typeface="+mj-ea"/>
+                <a:cs typeface="+mj-cs"/>
+              </a:rPr>
+              <a:t>Number of reviews for</a:t>
+            </a:r>
+            <a:r>
+              <a:rPr lang="zh-CN" altLang="en-US" sz="4300" b="1" dirty="0">
+                <a:blipFill>
+                  <a:blip r:embed="rId2">
+                    <a:extLst>
+                      <a:ext uri="{28A0092B-C50C-407E-A947-70E740481C1C}">
+                        <a14:useLocalDpi xmlns:a14="http://schemas.microsoft.com/office/drawing/2010/main" val="0"/>
+                      </a:ext>
+                    </a:extLst>
+                  </a:blip>
+                  <a:tile tx="6350" ty="-127000" sx="65000" sy="64000" flip="none" algn="tl"/>
+                </a:blipFill>
+                <a:latin typeface="+mj-lt"/>
+                <a:ea typeface="+mj-ea"/>
+                <a:cs typeface="+mj-cs"/>
+              </a:rPr>
+              <a:t> </a:t>
+            </a:r>
+            <a:r>
+              <a:rPr lang="en-US" altLang="zh-CN" sz="4300" b="1" dirty="0">
+                <a:blipFill>
+                  <a:blip r:embed="rId2">
+                    <a:extLst>
+                      <a:ext uri="{28A0092B-C50C-407E-A947-70E740481C1C}">
+                        <a14:useLocalDpi xmlns:a14="http://schemas.microsoft.com/office/drawing/2010/main" val="0"/>
+                      </a:ext>
+                    </a:extLst>
+                  </a:blip>
+                  <a:tile tx="6350" ty="-127000" sx="65000" sy="64000" flip="none" algn="tl"/>
+                </a:blipFill>
+                <a:latin typeface="+mj-lt"/>
+                <a:ea typeface="+mj-ea"/>
+                <a:cs typeface="+mj-cs"/>
+              </a:rPr>
+              <a:t>restaurants</a:t>
             </a:r>
           </a:p>
           <a:p>
             <a:pPr marL="0" indent="0">
               <a:buNone/>
             </a:pPr>
-            <a:endParaRPr lang="en-US" altLang="zh-CN" dirty="0"/>
+            <a:r>
+              <a:rPr lang="en-US" altLang="zh-CN" dirty="0"/>
+              <a:t>Most</a:t>
+            </a:r>
+            <a:r>
+              <a:rPr lang="zh-CN" altLang="en-US" dirty="0"/>
+              <a:t> </a:t>
+            </a:r>
+            <a:r>
+              <a:rPr lang="en-US" altLang="zh-CN" dirty="0"/>
+              <a:t>restaurants have less than 400 reviews.</a:t>
+            </a:r>
           </a:p>
           <a:p>
             <a:pPr marL="0" indent="0">
@@ -7930,40 +8223,7 @@
             </a:pPr>
             <a:r>
               <a:rPr lang="en-US" altLang="zh-CN" dirty="0"/>
-              <a:t>A</a:t>
-            </a:r>
-            <a:r>
-              <a:rPr lang="zh-CN" altLang="en-US" dirty="0"/>
-              <a:t> </a:t>
-            </a:r>
-            <a:r>
-              <a:rPr lang="en-US" altLang="zh-CN" dirty="0"/>
-              <a:t>majority</a:t>
-            </a:r>
-            <a:r>
-              <a:rPr lang="zh-CN" altLang="en-US" dirty="0"/>
-              <a:t> </a:t>
-            </a:r>
-            <a:r>
-              <a:rPr lang="en-US" altLang="zh-CN" dirty="0"/>
-              <a:t>of</a:t>
-            </a:r>
-            <a:r>
-              <a:rPr lang="zh-CN" altLang="en-US" dirty="0"/>
-              <a:t> </a:t>
-            </a:r>
-            <a:r>
-              <a:rPr lang="en-US" altLang="zh-CN" dirty="0"/>
-              <a:t>restaurants have less than 400 reviews.</a:t>
-            </a:r>
-          </a:p>
-          <a:p>
-            <a:pPr marL="0" indent="0">
-              <a:buNone/>
-            </a:pPr>
-            <a:r>
-              <a:rPr lang="en-US" altLang="zh-CN" dirty="0"/>
-              <a:t>(However, Panera Bread has near 10,000 reviews.)</a:t>
+              <a:t>(However, Panera Bread has nearly 10,000 reviews.)</a:t>
             </a:r>
           </a:p>
           <a:p>
@@ -8055,7 +8315,7 @@
           <p:nvPr/>
         </p:nvPicPr>
         <p:blipFill>
-          <a:blip r:embed="rId2">
+          <a:blip r:embed="rId3">
             <a:extLst>
               <a:ext uri="{28A0092B-C50C-407E-A947-70E740481C1C}">
                 <a14:useLocalDpi xmlns:a14="http://schemas.microsoft.com/office/drawing/2010/main" val="0"/>
@@ -8068,7 +8328,7 @@
         </p:blipFill>
         <p:spPr>
           <a:xfrm>
-            <a:off x="3115660" y="2047555"/>
+            <a:off x="3028575" y="2276155"/>
             <a:ext cx="6684188" cy="4420476"/>
           </a:xfrm>
           <a:prstGeom prst="rect">
@@ -8124,10 +8384,19 @@
         </p:nvSpPr>
         <p:spPr/>
         <p:txBody>
-          <a:bodyPr/>
+          <a:bodyPr>
+            <a:normAutofit fontScale="90000"/>
+          </a:bodyPr>
           <a:lstStyle/>
           <a:p>
-            <a:endParaRPr lang="zh-CN" altLang="en-US"/>
+            <a:r>
+              <a:rPr lang="en-US" altLang="zh-CN" b="1" dirty="0"/>
+              <a:t>The distribution of shop scores </a:t>
+            </a:r>
+            <a:br>
+              <a:rPr lang="en-US" altLang="zh-CN" b="1" dirty="0"/>
+            </a:br>
+            <a:endParaRPr lang="zh-CN" altLang="en-US" dirty="0"/>
           </a:p>
         </p:txBody>
       </p:sp>
@@ -8149,7 +8418,7 @@
         </p:nvSpPr>
         <p:spPr>
           <a:xfrm>
-            <a:off x="981613" y="380473"/>
+            <a:off x="1063752" y="1447273"/>
             <a:ext cx="10515600" cy="4351338"/>
           </a:xfrm>
         </p:spPr>
@@ -8157,18 +8426,36 @@
           <a:bodyPr/>
           <a:lstStyle/>
           <a:p>
-            <a:r>
-              <a:rPr lang="en-US" altLang="zh-CN" dirty="0"/>
-              <a:t>The distribution of shop scores </a:t>
-            </a:r>
-          </a:p>
-          <a:p>
             <a:pPr marL="0" indent="0">
               <a:buNone/>
             </a:pPr>
             <a:r>
               <a:rPr lang="en-US" altLang="zh-CN" dirty="0"/>
-              <a:t>Most shops are rated  around 4. Both very low and very high are rare.</a:t>
+              <a:t>Most shops are rated around 4. Extremely low rate</a:t>
+            </a:r>
+            <a:r>
+              <a:rPr lang="zh-CN" altLang="en-US" dirty="0"/>
+              <a:t> </a:t>
+            </a:r>
+            <a:r>
+              <a:rPr lang="en-US" altLang="zh-CN" dirty="0"/>
+              <a:t>or extremely</a:t>
+            </a:r>
+            <a:r>
+              <a:rPr lang="zh-CN" altLang="en-US" dirty="0"/>
+              <a:t> </a:t>
+            </a:r>
+            <a:r>
+              <a:rPr lang="en-US" altLang="zh-CN" dirty="0"/>
+              <a:t>high rate</a:t>
+            </a:r>
+            <a:r>
+              <a:rPr lang="zh-CN" altLang="en-US" dirty="0"/>
+              <a:t> </a:t>
+            </a:r>
+            <a:r>
+              <a:rPr lang="en-US" altLang="zh-CN" dirty="0"/>
+              <a:t>is rare.</a:t>
             </a:r>
             <a:endParaRPr lang="zh-CN" altLang="en-US" dirty="0"/>
           </a:p>
@@ -8256,11 +8543,25 @@
             <p:ph type="title"/>
           </p:nvPr>
         </p:nvSpPr>
-        <p:spPr/>
-        <p:txBody>
-          <a:bodyPr/>
+        <p:spPr>
+          <a:xfrm>
+            <a:off x="1069847" y="484632"/>
+            <a:ext cx="11405181" cy="1609344"/>
+          </a:xfrm>
+        </p:spPr>
+        <p:txBody>
+          <a:bodyPr>
+            <a:normAutofit/>
+          </a:bodyPr>
           <a:lstStyle/>
           <a:p>
+            <a:r>
+              <a:rPr lang="en-US" altLang="zh-CN" dirty="0"/>
+              <a:t>The distribution of review scores</a:t>
+            </a:r>
+            <a:br>
+              <a:rPr lang="en-US" altLang="zh-CN" dirty="0"/>
+            </a:br>
             <a:endParaRPr lang="zh-CN" altLang="en-US" dirty="0"/>
           </a:p>
         </p:txBody>
@@ -8283,19 +8584,13 @@
         </p:nvSpPr>
         <p:spPr>
           <a:xfrm>
-            <a:off x="1283604" y="484632"/>
+            <a:off x="1479547" y="1403604"/>
             <a:ext cx="10058400" cy="4050792"/>
           </a:xfrm>
         </p:spPr>
         <p:txBody>
           <a:bodyPr/>
           <a:lstStyle/>
-          <a:p>
-            <a:r>
-              <a:rPr lang="en-US" altLang="zh-CN" dirty="0"/>
-              <a:t>The distribution of reviews scores</a:t>
-            </a:r>
-          </a:p>
           <a:p>
             <a:pPr marL="0" indent="0">
               <a:buNone/>
@@ -8385,7 +8680,7 @@
           <p:cNvPr id="2" name="标题 1">
             <a:extLst>
               <a:ext uri="{FF2B5EF4-FFF2-40B4-BE49-F238E27FC236}">
-                <a16:creationId xmlns:a16="http://schemas.microsoft.com/office/drawing/2014/main" id="{FA0E222C-A419-4BCF-B774-32874D708DAD}"/>
+                <a16:creationId xmlns:a16="http://schemas.microsoft.com/office/drawing/2014/main" id="{4A8738D8-0579-4A8E-9977-6ECB1FC5E291}"/>
               </a:ext>
             </a:extLst>
           </p:cNvPr>
@@ -8396,14 +8691,21 @@
             <p:ph type="title"/>
           </p:nvPr>
         </p:nvSpPr>
-        <p:spPr/>
-        <p:txBody>
-          <a:bodyPr/>
+        <p:spPr>
+          <a:xfrm>
+            <a:off x="1063752" y="1209846"/>
+            <a:ext cx="10058400" cy="1609344"/>
+          </a:xfrm>
+        </p:spPr>
+        <p:txBody>
+          <a:bodyPr>
+            <a:normAutofit fontScale="90000"/>
+          </a:bodyPr>
           <a:lstStyle/>
           <a:p>
             <a:r>
               <a:rPr lang="en-US" altLang="zh-CN" dirty="0"/>
-              <a:t>Customers are</a:t>
+              <a:t>Top 10 most “popular” sandwich restaurants</a:t>
             </a:r>
             <a:r>
               <a:rPr lang="zh-CN" altLang="en-US" dirty="0"/>
@@ -8411,141 +8713,341 @@
             </a:r>
             <a:r>
               <a:rPr lang="en-US" altLang="zh-CN" dirty="0"/>
-              <a:t>“mean”</a:t>
+              <a:t>with</a:t>
             </a:r>
             <a:r>
               <a:rPr lang="zh-CN" altLang="en-US" dirty="0"/>
               <a:t> </a:t>
             </a:r>
-            <a:endParaRPr lang="en-US" altLang="zh-CN" dirty="0"/>
-          </a:p>
-        </p:txBody>
-      </p:sp>
-      <p:sp>
-        <p:nvSpPr>
-          <p:cNvPr id="3" name="内容占位符 2">
+            <a:r>
+              <a:rPr lang="en-US" altLang="zh-CN" dirty="0"/>
+              <a:t>most</a:t>
+            </a:r>
+            <a:r>
+              <a:rPr lang="zh-CN" altLang="en-US" dirty="0"/>
+              <a:t> </a:t>
+            </a:r>
+            <a:r>
+              <a:rPr lang="en-US" altLang="zh-CN" dirty="0"/>
+              <a:t>reviews</a:t>
+            </a:r>
+            <a:br>
+              <a:rPr lang="en-US" altLang="zh-CN" dirty="0"/>
+            </a:br>
+            <a:br>
+              <a:rPr lang="en-US" altLang="zh-CN" dirty="0"/>
+            </a:br>
+            <a:br>
+              <a:rPr lang="zh-CN" altLang="en-US" dirty="0"/>
+            </a:br>
+            <a:endParaRPr lang="zh-CN" altLang="en-US" dirty="0"/>
+          </a:p>
+        </p:txBody>
+      </p:sp>
+      <p:pic>
+        <p:nvPicPr>
+          <p:cNvPr id="5" name="图片 4">
             <a:extLst>
               <a:ext uri="{FF2B5EF4-FFF2-40B4-BE49-F238E27FC236}">
-                <a16:creationId xmlns:a16="http://schemas.microsoft.com/office/drawing/2014/main" id="{FA52904C-1732-424D-A93A-2E288C902A9B}"/>
+                <a16:creationId xmlns:a16="http://schemas.microsoft.com/office/drawing/2014/main" id="{D0A92899-D98A-43E4-8092-88E01431E298}"/>
               </a:ext>
             </a:extLst>
           </p:cNvPr>
-          <p:cNvSpPr>
-            <a:spLocks noGrp="1"/>
-          </p:cNvSpPr>
-          <p:nvPr>
-            <p:ph idx="1"/>
-          </p:nvPr>
-        </p:nvSpPr>
-        <p:spPr/>
-        <p:txBody>
-          <a:bodyPr/>
-          <a:lstStyle/>
-          <a:p>
-            <a:endParaRPr lang="en-US" altLang="zh-CN" dirty="0"/>
-          </a:p>
-          <a:p>
-            <a:pPr marL="0" indent="0">
-              <a:buNone/>
-            </a:pPr>
-            <a:r>
-              <a:rPr lang="en-US" altLang="zh-CN" dirty="0"/>
-              <a:t>166 customers gave one-star stores with a five-star review </a:t>
-            </a:r>
-          </a:p>
-          <a:p>
-            <a:pPr marL="0" indent="0">
-              <a:buNone/>
-            </a:pPr>
-            <a:r>
-              <a:rPr lang="en-US" altLang="zh-CN" dirty="0"/>
-              <a:t>5,190 customers gave five-star stores with a one-star review.</a:t>
-            </a:r>
-            <a:endParaRPr lang="zh-CN" altLang="en-US" dirty="0"/>
-          </a:p>
-        </p:txBody>
-      </p:sp>
-      <p:sp>
-        <p:nvSpPr>
-          <p:cNvPr id="4" name="Rectangle 3">
-            <a:extLst>
-              <a:ext uri="{FF2B5EF4-FFF2-40B4-BE49-F238E27FC236}">
-                <a16:creationId xmlns:a16="http://schemas.microsoft.com/office/drawing/2014/main" id="{10B9B722-F755-D84B-9DAF-A428C1F05E92}"/>
-              </a:ext>
-            </a:extLst>
-          </p:cNvPr>
-          <p:cNvSpPr/>
+          <p:cNvPicPr>
+            <a:picLocks noChangeAspect="1"/>
+          </p:cNvPicPr>
           <p:nvPr/>
-        </p:nvSpPr>
+        </p:nvPicPr>
+        <p:blipFill>
+          <a:blip r:embed="rId2"/>
+          <a:stretch>
+            <a:fillRect/>
+          </a:stretch>
+        </p:blipFill>
         <p:spPr>
           <a:xfrm>
-            <a:off x="1063752" y="4073232"/>
-            <a:ext cx="8061435" cy="1754326"/>
+            <a:off x="2595667" y="2465334"/>
+            <a:ext cx="5367142" cy="3940835"/>
           </a:xfrm>
           <a:prstGeom prst="rect">
             <a:avLst/>
           </a:prstGeom>
         </p:spPr>
-        <p:txBody>
-          <a:bodyPr wrap="square">
-            <a:spAutoFit/>
-          </a:bodyPr>
-          <a:lstStyle/>
-          <a:p>
-            <a:r>
-              <a:rPr lang="en-US" altLang="zh-CN" dirty="0"/>
-              <a:t>Work</a:t>
-            </a:r>
-            <a:r>
-              <a:rPr lang="zh-CN" altLang="en-US" dirty="0"/>
-              <a:t> </a:t>
-            </a:r>
-            <a:r>
-              <a:rPr lang="en-US" altLang="zh-CN" dirty="0"/>
-              <a:t>TODO:</a:t>
-            </a:r>
-            <a:r>
-              <a:rPr lang="zh-CN" altLang="en-US" dirty="0"/>
-              <a:t> </a:t>
-            </a:r>
-            <a:r>
-              <a:rPr lang="en-US" altLang="zh-CN" dirty="0"/>
-              <a:t>Explore key words of giving good and bad reviews:</a:t>
-            </a:r>
-          </a:p>
-          <a:p>
-            <a:endParaRPr lang="en-US" altLang="zh-CN" dirty="0"/>
-          </a:p>
-          <a:p>
-            <a:r>
-              <a:rPr lang="en-US" altLang="zh-CN" dirty="0"/>
-              <a:t>1.Good reviews of top restaurants</a:t>
-            </a:r>
-          </a:p>
-          <a:p>
-            <a:r>
-              <a:rPr lang="en-US" altLang="zh-CN" dirty="0"/>
-              <a:t>2.Bad reviews of poor restaurants</a:t>
-            </a:r>
-          </a:p>
-          <a:p>
-            <a:r>
-              <a:rPr lang="en-US" altLang="zh-CN" dirty="0"/>
-              <a:t>3.Good reviews of poor restaurants</a:t>
-            </a:r>
-          </a:p>
-          <a:p>
-            <a:r>
-              <a:rPr lang="en-US" altLang="zh-CN" dirty="0"/>
-              <a:t>4.Bad reviews of top restaurants</a:t>
-            </a:r>
-          </a:p>
-        </p:txBody>
-      </p:sp>
+      </p:pic>
+      <p:graphicFrame>
+        <p:nvGraphicFramePr>
+          <p:cNvPr id="8" name="表格 8">
+            <a:extLst>
+              <a:ext uri="{FF2B5EF4-FFF2-40B4-BE49-F238E27FC236}">
+                <a16:creationId xmlns:a16="http://schemas.microsoft.com/office/drawing/2014/main" id="{93B655E2-B357-40A7-84E6-D95C43D62300}"/>
+              </a:ext>
+            </a:extLst>
+          </p:cNvPr>
+          <p:cNvGraphicFramePr>
+            <a:graphicFrameLocks noGrp="1"/>
+          </p:cNvGraphicFramePr>
+          <p:nvPr>
+            <p:extLst>
+              <p:ext uri="{D42A27DB-BD31-4B8C-83A1-F6EECF244321}">
+                <p14:modId xmlns:p14="http://schemas.microsoft.com/office/powerpoint/2010/main" val="2108551396"/>
+              </p:ext>
+            </p:extLst>
+          </p:nvPr>
+        </p:nvGraphicFramePr>
+        <p:xfrm>
+          <a:off x="8070585" y="2465334"/>
+          <a:ext cx="1016854" cy="3946240"/>
+        </p:xfrm>
+        <a:graphic>
+          <a:graphicData uri="http://schemas.openxmlformats.org/drawingml/2006/table">
+            <a:tbl>
+              <a:tblPr bandRow="1">
+                <a:tableStyleId>{3B4B98B0-60AC-42C2-AFA5-B58CD77FA1E5}</a:tableStyleId>
+              </a:tblPr>
+              <a:tblGrid>
+                <a:gridCol w="1016854">
+                  <a:extLst>
+                    <a:ext uri="{9D8B030D-6E8A-4147-A177-3AD203B41FA5}">
+                      <a16:colId xmlns:a16="http://schemas.microsoft.com/office/drawing/2014/main" val="404760539"/>
+                    </a:ext>
+                  </a:extLst>
+                </a:gridCol>
+              </a:tblGrid>
+              <a:tr h="394624">
+                <a:tc>
+                  <a:txBody>
+                    <a:bodyPr/>
+                    <a:lstStyle/>
+                    <a:p>
+                      <a:pPr marL="0" marR="0" lvl="0" indent="0" algn="l" defTabSz="914400" rtl="0" eaLnBrk="1" fontAlgn="auto" latinLnBrk="0" hangingPunct="1">
+                        <a:lnSpc>
+                          <a:spcPct val="100000"/>
+                        </a:lnSpc>
+                        <a:spcBef>
+                          <a:spcPts val="0"/>
+                        </a:spcBef>
+                        <a:spcAft>
+                          <a:spcPts val="0"/>
+                        </a:spcAft>
+                        <a:buClrTx/>
+                        <a:buSzTx/>
+                        <a:buFontTx/>
+                        <a:buNone/>
+                        <a:tabLst/>
+                        <a:defRPr/>
+                      </a:pPr>
+                      <a:r>
+                        <a:rPr lang="en-US" altLang="zh-CN" dirty="0"/>
+                        <a:t>2.55</a:t>
+                      </a:r>
+                      <a:endParaRPr lang="zh-CN" altLang="en-US" dirty="0"/>
+                    </a:p>
+                  </a:txBody>
+                  <a:tcPr/>
+                </a:tc>
+                <a:extLst>
+                  <a:ext uri="{0D108BD9-81ED-4DB2-BD59-A6C34878D82A}">
+                    <a16:rowId xmlns:a16="http://schemas.microsoft.com/office/drawing/2014/main" val="2698244816"/>
+                  </a:ext>
+                </a:extLst>
+              </a:tr>
+              <a:tr h="394624">
+                <a:tc>
+                  <a:txBody>
+                    <a:bodyPr/>
+                    <a:lstStyle/>
+                    <a:p>
+                      <a:r>
+                        <a:rPr lang="en-US" altLang="zh-CN" dirty="0"/>
+                        <a:t>4.2</a:t>
+                      </a:r>
+                      <a:endParaRPr lang="zh-CN" altLang="en-US" dirty="0"/>
+                    </a:p>
+                  </a:txBody>
+                  <a:tcPr/>
+                </a:tc>
+                <a:extLst>
+                  <a:ext uri="{0D108BD9-81ED-4DB2-BD59-A6C34878D82A}">
+                    <a16:rowId xmlns:a16="http://schemas.microsoft.com/office/drawing/2014/main" val="1442946284"/>
+                  </a:ext>
+                </a:extLst>
+              </a:tr>
+              <a:tr h="394624">
+                <a:tc>
+                  <a:txBody>
+                    <a:bodyPr/>
+                    <a:lstStyle/>
+                    <a:p>
+                      <a:r>
+                        <a:rPr lang="en-US" altLang="zh-CN" dirty="0"/>
+                        <a:t>2.6</a:t>
+                      </a:r>
+                      <a:endParaRPr lang="zh-CN" altLang="en-US" dirty="0"/>
+                    </a:p>
+                  </a:txBody>
+                  <a:tcPr/>
+                </a:tc>
+                <a:extLst>
+                  <a:ext uri="{0D108BD9-81ED-4DB2-BD59-A6C34878D82A}">
+                    <a16:rowId xmlns:a16="http://schemas.microsoft.com/office/drawing/2014/main" val="657547598"/>
+                  </a:ext>
+                </a:extLst>
+              </a:tr>
+              <a:tr h="394624">
+                <a:tc>
+                  <a:txBody>
+                    <a:bodyPr/>
+                    <a:lstStyle/>
+                    <a:p>
+                      <a:r>
+                        <a:rPr lang="en-US" altLang="zh-CN" dirty="0"/>
+                        <a:t>2.39</a:t>
+                      </a:r>
+                      <a:endParaRPr lang="zh-CN" altLang="en-US" dirty="0"/>
+                    </a:p>
+                  </a:txBody>
+                  <a:tcPr/>
+                </a:tc>
+                <a:extLst>
+                  <a:ext uri="{0D108BD9-81ED-4DB2-BD59-A6C34878D82A}">
+                    <a16:rowId xmlns:a16="http://schemas.microsoft.com/office/drawing/2014/main" val="4205071382"/>
+                  </a:ext>
+                </a:extLst>
+              </a:tr>
+              <a:tr h="394624">
+                <a:tc>
+                  <a:txBody>
+                    <a:bodyPr/>
+                    <a:lstStyle/>
+                    <a:p>
+                      <a:r>
+                        <a:rPr lang="en-US" altLang="zh-CN" dirty="0"/>
+                        <a:t>4.5</a:t>
+                      </a:r>
+                      <a:endParaRPr lang="zh-CN" altLang="en-US" dirty="0"/>
+                    </a:p>
+                  </a:txBody>
+                  <a:tcPr/>
+                </a:tc>
+                <a:extLst>
+                  <a:ext uri="{0D108BD9-81ED-4DB2-BD59-A6C34878D82A}">
+                    <a16:rowId xmlns:a16="http://schemas.microsoft.com/office/drawing/2014/main" val="4032911595"/>
+                  </a:ext>
+                </a:extLst>
+              </a:tr>
+              <a:tr h="394624">
+                <a:tc>
+                  <a:txBody>
+                    <a:bodyPr/>
+                    <a:lstStyle/>
+                    <a:p>
+                      <a:r>
+                        <a:rPr lang="en-US" altLang="zh-CN" dirty="0"/>
+                        <a:t>4.5</a:t>
+                      </a:r>
+                      <a:endParaRPr lang="zh-CN" altLang="en-US" dirty="0"/>
+                    </a:p>
+                  </a:txBody>
+                  <a:tcPr/>
+                </a:tc>
+                <a:extLst>
+                  <a:ext uri="{0D108BD9-81ED-4DB2-BD59-A6C34878D82A}">
+                    <a16:rowId xmlns:a16="http://schemas.microsoft.com/office/drawing/2014/main" val="4085285308"/>
+                  </a:ext>
+                </a:extLst>
+              </a:tr>
+              <a:tr h="394624">
+                <a:tc>
+                  <a:txBody>
+                    <a:bodyPr/>
+                    <a:lstStyle/>
+                    <a:p>
+                      <a:r>
+                        <a:rPr lang="en-US" altLang="zh-CN" dirty="0"/>
+                        <a:t>2.76</a:t>
+                      </a:r>
+                      <a:endParaRPr lang="zh-CN" altLang="en-US" dirty="0"/>
+                    </a:p>
+                  </a:txBody>
+                  <a:tcPr/>
+                </a:tc>
+                <a:extLst>
+                  <a:ext uri="{0D108BD9-81ED-4DB2-BD59-A6C34878D82A}">
+                    <a16:rowId xmlns:a16="http://schemas.microsoft.com/office/drawing/2014/main" val="3847977367"/>
+                  </a:ext>
+                </a:extLst>
+              </a:tr>
+              <a:tr h="394624">
+                <a:tc>
+                  <a:txBody>
+                    <a:bodyPr/>
+                    <a:lstStyle/>
+                    <a:p>
+                      <a:r>
+                        <a:rPr lang="en-US" altLang="zh-CN" dirty="0"/>
+                        <a:t>4.5</a:t>
+                      </a:r>
+                      <a:endParaRPr lang="zh-CN" altLang="en-US" dirty="0"/>
+                    </a:p>
+                  </a:txBody>
+                  <a:tcPr/>
+                </a:tc>
+                <a:extLst>
+                  <a:ext uri="{0D108BD9-81ED-4DB2-BD59-A6C34878D82A}">
+                    <a16:rowId xmlns:a16="http://schemas.microsoft.com/office/drawing/2014/main" val="2539887607"/>
+                  </a:ext>
+                </a:extLst>
+              </a:tr>
+              <a:tr h="394624">
+                <a:tc>
+                  <a:txBody>
+                    <a:bodyPr/>
+                    <a:lstStyle/>
+                    <a:p>
+                      <a:r>
+                        <a:rPr lang="en-US" altLang="zh-CN" dirty="0"/>
+                        <a:t>4.25</a:t>
+                      </a:r>
+                      <a:endParaRPr lang="zh-CN" altLang="en-US" dirty="0"/>
+                    </a:p>
+                  </a:txBody>
+                  <a:tcPr/>
+                </a:tc>
+                <a:extLst>
+                  <a:ext uri="{0D108BD9-81ED-4DB2-BD59-A6C34878D82A}">
+                    <a16:rowId xmlns:a16="http://schemas.microsoft.com/office/drawing/2014/main" val="1141455472"/>
+                  </a:ext>
+                </a:extLst>
+              </a:tr>
+              <a:tr h="394624">
+                <a:tc>
+                  <a:txBody>
+                    <a:bodyPr/>
+                    <a:lstStyle/>
+                    <a:p>
+                      <a:r>
+                        <a:rPr lang="en-US" altLang="zh-CN" dirty="0"/>
+                        <a:t>4.0</a:t>
+                      </a:r>
+                      <a:endParaRPr lang="zh-CN" altLang="en-US" dirty="0"/>
+                    </a:p>
+                  </a:txBody>
+                  <a:tcPr/>
+                </a:tc>
+                <a:extLst>
+                  <a:ext uri="{0D108BD9-81ED-4DB2-BD59-A6C34878D82A}">
+                    <a16:rowId xmlns:a16="http://schemas.microsoft.com/office/drawing/2014/main" val="3085991822"/>
+                  </a:ext>
+                </a:extLst>
+              </a:tr>
+            </a:tbl>
+          </a:graphicData>
+        </a:graphic>
+      </p:graphicFrame>
     </p:spTree>
     <p:extLst>
       <p:ext uri="{BB962C8B-B14F-4D97-AF65-F5344CB8AC3E}">
-        <p14:creationId xmlns:p14="http://schemas.microsoft.com/office/powerpoint/2010/main" val="1444831564"/>
+        <p14:creationId xmlns:p14="http://schemas.microsoft.com/office/powerpoint/2010/main" val="3830056440"/>
       </p:ext>
     </p:extLst>
   </p:cSld>
